--- a/CS315 P1 Production.pptx
+++ b/CS315 P1 Production.pptx
@@ -127,6 +127,236 @@
 </p:presentation>
 </file>
 
+<file path=ppt/revisionInfo.xml><?xml version="1.0" encoding="utf-8"?>
+<p1510:revInfo xmlns:a="http://schemas.openxmlformats.org/drawingml/2006/main" xmlns:r="http://schemas.openxmlformats.org/officeDocument/2006/relationships" xmlns:p1510="http://schemas.microsoft.com/office/powerpoint/2015/10/main">
+  <p1510:revLst>
+    <p1510:client id="{F7F5C636-30E2-734F-92E9-A24C58332266}" v="10" dt="2024-09-13T20:50:08.350"/>
+  </p1510:revLst>
+</p1510:revInfo>
+</file>
+
+<file path=ppt/changesInfos/changesInfo1.xml><?xml version="1.0" encoding="utf-8"?>
+<pc:chgInfo xmlns:a="http://schemas.openxmlformats.org/drawingml/2006/main" xmlns:r="http://schemas.openxmlformats.org/officeDocument/2006/relationships" xmlns:ac="http://schemas.microsoft.com/office/drawing/2013/main/command" xmlns:pc="http://schemas.microsoft.com/office/powerpoint/2013/main/command">
+  <pc:docChgLst>
+    <pc:chgData name="Smith, Spencer" userId="1695a3fb-7268-4f5e-8a0e-9e4d3170de61" providerId="ADAL" clId="{F7F5C636-30E2-734F-92E9-A24C58332266}"/>
+    <pc:docChg chg="custSel modSld">
+      <pc:chgData name="Smith, Spencer" userId="1695a3fb-7268-4f5e-8a0e-9e4d3170de61" providerId="ADAL" clId="{F7F5C636-30E2-734F-92E9-A24C58332266}" dt="2024-09-13T21:48:45.362" v="3810" actId="20577"/>
+      <pc:docMkLst>
+        <pc:docMk/>
+      </pc:docMkLst>
+      <pc:sldChg chg="addSp delSp modSp mod">
+        <pc:chgData name="Smith, Spencer" userId="1695a3fb-7268-4f5e-8a0e-9e4d3170de61" providerId="ADAL" clId="{F7F5C636-30E2-734F-92E9-A24C58332266}" dt="2024-09-11T16:44:15.396" v="56" actId="1076"/>
+        <pc:sldMkLst>
+          <pc:docMk/>
+          <pc:sldMk cId="4243997784" sldId="256"/>
+        </pc:sldMkLst>
+        <pc:spChg chg="mod">
+          <ac:chgData name="Smith, Spencer" userId="1695a3fb-7268-4f5e-8a0e-9e4d3170de61" providerId="ADAL" clId="{F7F5C636-30E2-734F-92E9-A24C58332266}" dt="2024-09-11T16:43:18.194" v="11" actId="20577"/>
+          <ac:spMkLst>
+            <pc:docMk/>
+            <pc:sldMk cId="4243997784" sldId="256"/>
+            <ac:spMk id="2" creationId="{D8CE1BC7-577C-51C5-2C3C-2C2F81548277}"/>
+          </ac:spMkLst>
+        </pc:spChg>
+        <pc:spChg chg="mod">
+          <ac:chgData name="Smith, Spencer" userId="1695a3fb-7268-4f5e-8a0e-9e4d3170de61" providerId="ADAL" clId="{F7F5C636-30E2-734F-92E9-A24C58332266}" dt="2024-09-11T16:43:40.820" v="51" actId="20577"/>
+          <ac:spMkLst>
+            <pc:docMk/>
+            <pc:sldMk cId="4243997784" sldId="256"/>
+            <ac:spMk id="3" creationId="{82D0ABAB-8A61-2330-FCC4-923DD94BCF2A}"/>
+          </ac:spMkLst>
+        </pc:spChg>
+        <pc:spChg chg="del">
+          <ac:chgData name="Smith, Spencer" userId="1695a3fb-7268-4f5e-8a0e-9e4d3170de61" providerId="ADAL" clId="{F7F5C636-30E2-734F-92E9-A24C58332266}" dt="2024-09-11T16:44:08.262" v="52" actId="478"/>
+          <ac:spMkLst>
+            <pc:docMk/>
+            <pc:sldMk cId="4243997784" sldId="256"/>
+            <ac:spMk id="8" creationId="{2332B84B-7EF7-7F6C-5BF1-0C24E30B3D5D}"/>
+          </ac:spMkLst>
+        </pc:spChg>
+        <pc:picChg chg="add mod">
+          <ac:chgData name="Smith, Spencer" userId="1695a3fb-7268-4f5e-8a0e-9e4d3170de61" providerId="ADAL" clId="{F7F5C636-30E2-734F-92E9-A24C58332266}" dt="2024-09-11T16:44:15.396" v="56" actId="1076"/>
+          <ac:picMkLst>
+            <pc:docMk/>
+            <pc:sldMk cId="4243997784" sldId="256"/>
+            <ac:picMk id="1026" creationId="{B3F703DC-D670-C7F9-EB26-0C36C23A9EF0}"/>
+          </ac:picMkLst>
+        </pc:picChg>
+      </pc:sldChg>
+      <pc:sldChg chg="modSp mod">
+        <pc:chgData name="Smith, Spencer" userId="1695a3fb-7268-4f5e-8a0e-9e4d3170de61" providerId="ADAL" clId="{F7F5C636-30E2-734F-92E9-A24C58332266}" dt="2024-09-13T20:48:14.249" v="874" actId="5793"/>
+        <pc:sldMkLst>
+          <pc:docMk/>
+          <pc:sldMk cId="4270653047" sldId="257"/>
+        </pc:sldMkLst>
+        <pc:spChg chg="mod">
+          <ac:chgData name="Smith, Spencer" userId="1695a3fb-7268-4f5e-8a0e-9e4d3170de61" providerId="ADAL" clId="{F7F5C636-30E2-734F-92E9-A24C58332266}" dt="2024-09-13T20:48:14.249" v="874" actId="5793"/>
+          <ac:spMkLst>
+            <pc:docMk/>
+            <pc:sldMk cId="4270653047" sldId="257"/>
+            <ac:spMk id="3" creationId="{CEFC3362-BE8E-BB9B-F46A-0464325FD189}"/>
+          </ac:spMkLst>
+        </pc:spChg>
+      </pc:sldChg>
+      <pc:sldChg chg="addSp delSp modSp mod">
+        <pc:chgData name="Smith, Spencer" userId="1695a3fb-7268-4f5e-8a0e-9e4d3170de61" providerId="ADAL" clId="{F7F5C636-30E2-734F-92E9-A24C58332266}" dt="2024-09-13T20:50:26.566" v="891" actId="1076"/>
+        <pc:sldMkLst>
+          <pc:docMk/>
+          <pc:sldMk cId="1534912062" sldId="258"/>
+        </pc:sldMkLst>
+        <pc:spChg chg="del">
+          <ac:chgData name="Smith, Spencer" userId="1695a3fb-7268-4f5e-8a0e-9e4d3170de61" providerId="ADAL" clId="{F7F5C636-30E2-734F-92E9-A24C58332266}" dt="2024-09-13T18:21:14.429" v="385"/>
+          <ac:spMkLst>
+            <pc:docMk/>
+            <pc:sldMk cId="1534912062" sldId="258"/>
+            <ac:spMk id="3" creationId="{B733B72D-90B3-6696-1D14-3B7EEC9C4367}"/>
+          </ac:spMkLst>
+        </pc:spChg>
+        <pc:spChg chg="add del mod">
+          <ac:chgData name="Smith, Spencer" userId="1695a3fb-7268-4f5e-8a0e-9e4d3170de61" providerId="ADAL" clId="{F7F5C636-30E2-734F-92E9-A24C58332266}" dt="2024-09-13T18:27:36.133" v="395"/>
+          <ac:spMkLst>
+            <pc:docMk/>
+            <pc:sldMk cId="1534912062" sldId="258"/>
+            <ac:spMk id="6" creationId="{04D51942-7869-007F-2254-75B946154A27}"/>
+          </ac:spMkLst>
+        </pc:spChg>
+        <pc:spChg chg="add del mod">
+          <ac:chgData name="Smith, Spencer" userId="1695a3fb-7268-4f5e-8a0e-9e4d3170de61" providerId="ADAL" clId="{F7F5C636-30E2-734F-92E9-A24C58332266}" dt="2024-09-13T20:48:17.881" v="876"/>
+          <ac:spMkLst>
+            <pc:docMk/>
+            <pc:sldMk cId="1534912062" sldId="258"/>
+            <ac:spMk id="7" creationId="{6A5D0A68-AD33-BA2E-A940-F001944F0356}"/>
+          </ac:spMkLst>
+        </pc:spChg>
+        <pc:spChg chg="add del mod">
+          <ac:chgData name="Smith, Spencer" userId="1695a3fb-7268-4f5e-8a0e-9e4d3170de61" providerId="ADAL" clId="{F7F5C636-30E2-734F-92E9-A24C58332266}" dt="2024-09-13T18:32:35.320" v="397"/>
+          <ac:spMkLst>
+            <pc:docMk/>
+            <pc:sldMk cId="1534912062" sldId="258"/>
+            <ac:spMk id="9" creationId="{70C88858-4938-228C-5CDA-DA587B203DAF}"/>
+          </ac:spMkLst>
+        </pc:spChg>
+        <pc:spChg chg="add del mod">
+          <ac:chgData name="Smith, Spencer" userId="1695a3fb-7268-4f5e-8a0e-9e4d3170de61" providerId="ADAL" clId="{F7F5C636-30E2-734F-92E9-A24C58332266}" dt="2024-09-13T20:50:08.350" v="884"/>
+          <ac:spMkLst>
+            <pc:docMk/>
+            <pc:sldMk cId="1534912062" sldId="258"/>
+            <ac:spMk id="15" creationId="{C414E139-6F30-C3B1-2A64-31DFFF49515D}"/>
+          </ac:spMkLst>
+        </pc:spChg>
+        <pc:picChg chg="add del mod">
+          <ac:chgData name="Smith, Spencer" userId="1695a3fb-7268-4f5e-8a0e-9e4d3170de61" providerId="ADAL" clId="{F7F5C636-30E2-734F-92E9-A24C58332266}" dt="2024-09-13T18:32:33.069" v="396" actId="478"/>
+          <ac:picMkLst>
+            <pc:docMk/>
+            <pc:sldMk cId="1534912062" sldId="258"/>
+            <ac:picMk id="5" creationId="{65E8A0B8-662D-6974-67E4-A065EDF04A16}"/>
+          </ac:picMkLst>
+        </pc:picChg>
+        <pc:picChg chg="add del mod">
+          <ac:chgData name="Smith, Spencer" userId="1695a3fb-7268-4f5e-8a0e-9e4d3170de61" providerId="ADAL" clId="{F7F5C636-30E2-734F-92E9-A24C58332266}" dt="2024-09-13T20:49:50.585" v="883" actId="478"/>
+          <ac:picMkLst>
+            <pc:docMk/>
+            <pc:sldMk cId="1534912062" sldId="258"/>
+            <ac:picMk id="11" creationId="{9FF13410-7F95-A8FB-DD04-D7DD164F0701}"/>
+          </ac:picMkLst>
+        </pc:picChg>
+        <pc:picChg chg="add mod">
+          <ac:chgData name="Smith, Spencer" userId="1695a3fb-7268-4f5e-8a0e-9e4d3170de61" providerId="ADAL" clId="{F7F5C636-30E2-734F-92E9-A24C58332266}" dt="2024-09-13T20:50:26.566" v="891" actId="1076"/>
+          <ac:picMkLst>
+            <pc:docMk/>
+            <pc:sldMk cId="1534912062" sldId="258"/>
+            <ac:picMk id="13" creationId="{8F02A5D6-0689-91E6-EF20-D2CD6D3081C4}"/>
+          </ac:picMkLst>
+        </pc:picChg>
+        <pc:picChg chg="add mod">
+          <ac:chgData name="Smith, Spencer" userId="1695a3fb-7268-4f5e-8a0e-9e4d3170de61" providerId="ADAL" clId="{F7F5C636-30E2-734F-92E9-A24C58332266}" dt="2024-09-13T20:50:23.299" v="890" actId="1076"/>
+          <ac:picMkLst>
+            <pc:docMk/>
+            <pc:sldMk cId="1534912062" sldId="258"/>
+            <ac:picMk id="17" creationId="{94939421-9640-C67B-630C-46CC5BB9E959}"/>
+          </ac:picMkLst>
+        </pc:picChg>
+      </pc:sldChg>
+      <pc:sldChg chg="modSp mod">
+        <pc:chgData name="Smith, Spencer" userId="1695a3fb-7268-4f5e-8a0e-9e4d3170de61" providerId="ADAL" clId="{F7F5C636-30E2-734F-92E9-A24C58332266}" dt="2024-09-13T21:14:00.340" v="1767" actId="20577"/>
+        <pc:sldMkLst>
+          <pc:docMk/>
+          <pc:sldMk cId="141151598" sldId="259"/>
+        </pc:sldMkLst>
+        <pc:spChg chg="mod">
+          <ac:chgData name="Smith, Spencer" userId="1695a3fb-7268-4f5e-8a0e-9e4d3170de61" providerId="ADAL" clId="{F7F5C636-30E2-734F-92E9-A24C58332266}" dt="2024-09-13T21:14:00.340" v="1767" actId="20577"/>
+          <ac:spMkLst>
+            <pc:docMk/>
+            <pc:sldMk cId="141151598" sldId="259"/>
+            <ac:spMk id="3" creationId="{F1BB424B-648E-CA98-63A1-6C47084DBEF4}"/>
+          </ac:spMkLst>
+        </pc:spChg>
+      </pc:sldChg>
+      <pc:sldChg chg="modSp mod">
+        <pc:chgData name="Smith, Spencer" userId="1695a3fb-7268-4f5e-8a0e-9e4d3170de61" providerId="ADAL" clId="{F7F5C636-30E2-734F-92E9-A24C58332266}" dt="2024-09-13T20:51:47.677" v="1145" actId="20577"/>
+        <pc:sldMkLst>
+          <pc:docMk/>
+          <pc:sldMk cId="807574144" sldId="260"/>
+        </pc:sldMkLst>
+        <pc:spChg chg="mod">
+          <ac:chgData name="Smith, Spencer" userId="1695a3fb-7268-4f5e-8a0e-9e4d3170de61" providerId="ADAL" clId="{F7F5C636-30E2-734F-92E9-A24C58332266}" dt="2024-09-13T20:51:47.677" v="1145" actId="20577"/>
+          <ac:spMkLst>
+            <pc:docMk/>
+            <pc:sldMk cId="807574144" sldId="260"/>
+            <ac:spMk id="3" creationId="{4EBBCC92-41D4-E5CE-AA73-32412261B37D}"/>
+          </ac:spMkLst>
+        </pc:spChg>
+      </pc:sldChg>
+      <pc:sldChg chg="modSp mod">
+        <pc:chgData name="Smith, Spencer" userId="1695a3fb-7268-4f5e-8a0e-9e4d3170de61" providerId="ADAL" clId="{F7F5C636-30E2-734F-92E9-A24C58332266}" dt="2024-09-13T21:48:45.362" v="3810" actId="20577"/>
+        <pc:sldMkLst>
+          <pc:docMk/>
+          <pc:sldMk cId="807197754" sldId="261"/>
+        </pc:sldMkLst>
+        <pc:spChg chg="mod">
+          <ac:chgData name="Smith, Spencer" userId="1695a3fb-7268-4f5e-8a0e-9e4d3170de61" providerId="ADAL" clId="{F7F5C636-30E2-734F-92E9-A24C58332266}" dt="2024-09-13T21:48:45.362" v="3810" actId="20577"/>
+          <ac:spMkLst>
+            <pc:docMk/>
+            <pc:sldMk cId="807197754" sldId="261"/>
+            <ac:spMk id="3" creationId="{A5EEE90A-52B2-D429-03B3-3EC46C252AA2}"/>
+          </ac:spMkLst>
+        </pc:spChg>
+      </pc:sldChg>
+      <pc:sldChg chg="modSp mod">
+        <pc:chgData name="Smith, Spencer" userId="1695a3fb-7268-4f5e-8a0e-9e4d3170de61" providerId="ADAL" clId="{F7F5C636-30E2-734F-92E9-A24C58332266}" dt="2024-09-13T21:46:35.425" v="3303" actId="20577"/>
+        <pc:sldMkLst>
+          <pc:docMk/>
+          <pc:sldMk cId="3628775980" sldId="269"/>
+        </pc:sldMkLst>
+        <pc:spChg chg="mod">
+          <ac:chgData name="Smith, Spencer" userId="1695a3fb-7268-4f5e-8a0e-9e4d3170de61" providerId="ADAL" clId="{F7F5C636-30E2-734F-92E9-A24C58332266}" dt="2024-09-13T21:46:35.425" v="3303" actId="20577"/>
+          <ac:spMkLst>
+            <pc:docMk/>
+            <pc:sldMk cId="3628775980" sldId="269"/>
+            <ac:spMk id="3" creationId="{C6B8D691-809F-995D-E93C-32912BBEB486}"/>
+          </ac:spMkLst>
+        </pc:spChg>
+      </pc:sldChg>
+      <pc:sldChg chg="modSp mod">
+        <pc:chgData name="Smith, Spencer" userId="1695a3fb-7268-4f5e-8a0e-9e4d3170de61" providerId="ADAL" clId="{F7F5C636-30E2-734F-92E9-A24C58332266}" dt="2024-09-13T20:52:37.132" v="1163" actId="20577"/>
+        <pc:sldMkLst>
+          <pc:docMk/>
+          <pc:sldMk cId="2037552997" sldId="270"/>
+        </pc:sldMkLst>
+        <pc:spChg chg="mod">
+          <ac:chgData name="Smith, Spencer" userId="1695a3fb-7268-4f5e-8a0e-9e4d3170de61" providerId="ADAL" clId="{F7F5C636-30E2-734F-92E9-A24C58332266}" dt="2024-09-13T20:52:37.132" v="1163" actId="20577"/>
+          <ac:spMkLst>
+            <pc:docMk/>
+            <pc:sldMk cId="2037552997" sldId="270"/>
+            <ac:spMk id="3" creationId="{D87AF36C-8975-2486-9856-AA1CC7EA2794}"/>
+          </ac:spMkLst>
+        </pc:spChg>
+      </pc:sldChg>
+    </pc:docChg>
+  </pc:docChgLst>
+</pc:chgInfo>
+</file>
+
 <file path=ppt/slideLayouts/slideLayout1.xml><?xml version="1.0" encoding="utf-8"?>
 <p:sldLayout xmlns:a="http://schemas.openxmlformats.org/drawingml/2006/main" xmlns:r="http://schemas.openxmlformats.org/officeDocument/2006/relationships" xmlns:p="http://schemas.openxmlformats.org/presentationml/2006/main" type="title" preserve="1">
   <p:cSld name="Title Slide">
@@ -258,7 +488,7 @@
           <a:p>
             <a:fld id="{052CEAA0-CEA8-4860-9757-7A11AC3F23CB}" type="datetimeFigureOut">
               <a:rPr lang="en-US" smtClean="0"/>
-              <a:t>9/6/24</a:t>
+              <a:t>9/13/24</a:t>
             </a:fld>
             <a:endParaRPr lang="en-US"/>
           </a:p>
@@ -428,7 +658,7 @@
           <a:p>
             <a:fld id="{052CEAA0-CEA8-4860-9757-7A11AC3F23CB}" type="datetimeFigureOut">
               <a:rPr lang="en-US" smtClean="0"/>
-              <a:t>9/6/24</a:t>
+              <a:t>9/13/24</a:t>
             </a:fld>
             <a:endParaRPr lang="en-US"/>
           </a:p>
@@ -608,7 +838,7 @@
           <a:p>
             <a:fld id="{052CEAA0-CEA8-4860-9757-7A11AC3F23CB}" type="datetimeFigureOut">
               <a:rPr lang="en-US" smtClean="0"/>
-              <a:t>9/6/24</a:t>
+              <a:t>9/13/24</a:t>
             </a:fld>
             <a:endParaRPr lang="en-US"/>
           </a:p>
@@ -778,7 +1008,7 @@
           <a:p>
             <a:fld id="{052CEAA0-CEA8-4860-9757-7A11AC3F23CB}" type="datetimeFigureOut">
               <a:rPr lang="en-US" smtClean="0"/>
-              <a:t>9/6/24</a:t>
+              <a:t>9/13/24</a:t>
             </a:fld>
             <a:endParaRPr lang="en-US"/>
           </a:p>
@@ -1024,7 +1254,7 @@
           <a:p>
             <a:fld id="{052CEAA0-CEA8-4860-9757-7A11AC3F23CB}" type="datetimeFigureOut">
               <a:rPr lang="en-US" smtClean="0"/>
-              <a:t>9/6/24</a:t>
+              <a:t>9/13/24</a:t>
             </a:fld>
             <a:endParaRPr lang="en-US"/>
           </a:p>
@@ -1256,7 +1486,7 @@
           <a:p>
             <a:fld id="{052CEAA0-CEA8-4860-9757-7A11AC3F23CB}" type="datetimeFigureOut">
               <a:rPr lang="en-US" smtClean="0"/>
-              <a:t>9/6/24</a:t>
+              <a:t>9/13/24</a:t>
             </a:fld>
             <a:endParaRPr lang="en-US"/>
           </a:p>
@@ -1623,7 +1853,7 @@
           <a:p>
             <a:fld id="{052CEAA0-CEA8-4860-9757-7A11AC3F23CB}" type="datetimeFigureOut">
               <a:rPr lang="en-US" smtClean="0"/>
-              <a:t>9/6/24</a:t>
+              <a:t>9/13/24</a:t>
             </a:fld>
             <a:endParaRPr lang="en-US"/>
           </a:p>
@@ -1741,7 +1971,7 @@
           <a:p>
             <a:fld id="{052CEAA0-CEA8-4860-9757-7A11AC3F23CB}" type="datetimeFigureOut">
               <a:rPr lang="en-US" smtClean="0"/>
-              <a:t>9/6/24</a:t>
+              <a:t>9/13/24</a:t>
             </a:fld>
             <a:endParaRPr lang="en-US"/>
           </a:p>
@@ -1836,7 +2066,7 @@
           <a:p>
             <a:fld id="{052CEAA0-CEA8-4860-9757-7A11AC3F23CB}" type="datetimeFigureOut">
               <a:rPr lang="en-US" smtClean="0"/>
-              <a:t>9/6/24</a:t>
+              <a:t>9/13/24</a:t>
             </a:fld>
             <a:endParaRPr lang="en-US"/>
           </a:p>
@@ -2113,7 +2343,7 @@
           <a:p>
             <a:fld id="{052CEAA0-CEA8-4860-9757-7A11AC3F23CB}" type="datetimeFigureOut">
               <a:rPr lang="en-US" smtClean="0"/>
-              <a:t>9/6/24</a:t>
+              <a:t>9/13/24</a:t>
             </a:fld>
             <a:endParaRPr lang="en-US"/>
           </a:p>
@@ -2370,7 +2600,7 @@
           <a:p>
             <a:fld id="{052CEAA0-CEA8-4860-9757-7A11AC3F23CB}" type="datetimeFigureOut">
               <a:rPr lang="en-US" smtClean="0"/>
-              <a:t>9/6/24</a:t>
+              <a:t>9/13/24</a:t>
             </a:fld>
             <a:endParaRPr lang="en-US"/>
           </a:p>
@@ -2583,7 +2813,7 @@
           <a:p>
             <a:fld id="{052CEAA0-CEA8-4860-9757-7A11AC3F23CB}" type="datetimeFigureOut">
               <a:rPr lang="en-US" smtClean="0"/>
-              <a:t>9/6/24</a:t>
+              <a:t>9/13/24</a:t>
             </a:fld>
             <a:endParaRPr lang="en-US"/>
           </a:p>
@@ -3011,7 +3241,7 @@
           <a:p>
             <a:r>
               <a:rPr lang="en-US" dirty="0"/>
-              <a:t>{ your game title here }</a:t>
+              <a:t>Mad Flyers</a:t>
             </a:r>
           </a:p>
         </p:txBody>
@@ -3039,28 +3269,20 @@
           <a:p>
             <a:r>
               <a:rPr lang="en-US" dirty="0"/>
-              <a:t>N315 – Project One</a:t>
-            </a:r>
-          </a:p>
-          <a:p>
-            <a:r>
-              <a:rPr lang="en-US" dirty="0"/>
-              <a:t>{ your name here } { yes your actual name you goof. }</a:t>
+              <a:t>CS315 – Project One</a:t>
+            </a:r>
+          </a:p>
+          <a:p>
+            <a:r>
+              <a:rPr lang="en-US" dirty="0"/>
+              <a:t>Spencer Smith</a:t>
             </a:r>
             <a:br>
               <a:rPr lang="en-US" dirty="0"/>
             </a:br>
             <a:r>
               <a:rPr lang="en-US" dirty="0"/>
-              <a:t>{mm/</a:t>
-            </a:r>
-            <a:r>
-              <a:rPr lang="en-US" dirty="0" err="1"/>
-              <a:t>yy</a:t>
-            </a:r>
-            <a:r>
-              <a:rPr lang="en-US" dirty="0"/>
-              <a:t>}</a:t>
+              <a:t>09/24</a:t>
             </a:r>
           </a:p>
         </p:txBody>
@@ -3104,41 +3326,53 @@
           </a:prstGeom>
         </p:spPr>
       </p:pic>
-      <p:sp>
-        <p:nvSpPr>
-          <p:cNvPr id="8" name="TextBox 7">
+      <p:pic>
+        <p:nvPicPr>
+          <p:cNvPr id="1026" name="Picture 2" descr="Angry Birds real life - Drawception">
             <a:extLst>
               <a:ext uri="{FF2B5EF4-FFF2-40B4-BE49-F238E27FC236}">
-                <a16:creationId xmlns:a16="http://schemas.microsoft.com/office/drawing/2014/main" id="{2332B84B-7EF7-7F6C-5BF1-0C24E30B3D5D}"/>
+                <a16:creationId xmlns:a16="http://schemas.microsoft.com/office/drawing/2014/main" id="{B3F703DC-D670-C7F9-EB26-0C36C23A9EF0}"/>
               </a:ext>
             </a:extLst>
           </p:cNvPr>
-          <p:cNvSpPr txBox="1"/>
+          <p:cNvPicPr>
+            <a:picLocks noChangeAspect="1" noChangeArrowheads="1"/>
+          </p:cNvPicPr>
           <p:nvPr/>
-        </p:nvSpPr>
-        <p:spPr>
+        </p:nvPicPr>
+        <p:blipFill>
+          <a:blip r:embed="rId4">
+            <a:extLst>
+              <a:ext uri="{28A0092B-C50C-407E-A947-70E740481C1C}">
+                <a14:useLocalDpi xmlns:a14="http://schemas.microsoft.com/office/drawing/2010/main" val="0"/>
+              </a:ext>
+            </a:extLst>
+          </a:blip>
+          <a:srcRect/>
+          <a:stretch>
+            <a:fillRect/>
+          </a:stretch>
+        </p:blipFill>
+        <p:spPr bwMode="auto">
           <a:xfrm>
-            <a:off x="1126067" y="338721"/>
-            <a:ext cx="4189288" cy="369332"/>
+            <a:off x="2265319" y="248445"/>
+            <a:ext cx="1986914" cy="1655762"/>
           </a:xfrm>
           <a:prstGeom prst="rect">
             <a:avLst/>
           </a:prstGeom>
           <a:noFill/>
+          <a:extLst>
+            <a:ext uri="{909E8E84-426E-40DD-AFC4-6F175D3DCCD1}">
+              <a14:hiddenFill xmlns:a14="http://schemas.microsoft.com/office/drawing/2010/main">
+                <a:solidFill>
+                  <a:srgbClr val="FFFFFF"/>
+                </a:solidFill>
+              </a14:hiddenFill>
+            </a:ext>
+          </a:extLst>
         </p:spPr>
-        <p:txBody>
-          <a:bodyPr wrap="none" rtlCol="0">
-            <a:spAutoFit/>
-          </a:bodyPr>
-          <a:lstStyle/>
-          <a:p>
-            <a:r>
-              <a:rPr lang="en-US" dirty="0"/>
-              <a:t>{ Feel free to insert images here or delete }</a:t>
-            </a:r>
-          </a:p>
-        </p:txBody>
-      </p:sp>
+      </p:pic>
     </p:spTree>
     <p:extLst>
       <p:ext uri="{BB962C8B-B14F-4D97-AF65-F5344CB8AC3E}">
@@ -4041,7 +4275,54 @@
           <a:bodyPr/>
           <a:lstStyle/>
           <a:p>
-            <a:endParaRPr lang="en-US"/>
+            <a:r>
+              <a:rPr lang="en-US" dirty="0"/>
+              <a:t>I don’t want a static “</a:t>
+            </a:r>
+            <a:r>
+              <a:rPr lang="en-US" dirty="0" err="1"/>
+              <a:t>num_enemies</a:t>
+            </a:r>
+            <a:r>
+              <a:rPr lang="en-US" dirty="0"/>
+              <a:t>” variable. I want it to change based on how many enemies are on the screen, that way I can freely change the levels without going in and tweaking the code.</a:t>
+            </a:r>
+          </a:p>
+          <a:p>
+            <a:r>
+              <a:rPr lang="en-US" dirty="0"/>
+              <a:t>By using </a:t>
+            </a:r>
+            <a:r>
+              <a:rPr lang="en-US" dirty="0" err="1"/>
+              <a:t>get_parent</a:t>
+            </a:r>
+            <a:r>
+              <a:rPr lang="en-US" dirty="0"/>
+              <a:t>().</a:t>
+            </a:r>
+            <a:r>
+              <a:rPr lang="en-US" dirty="0" err="1"/>
+              <a:t>find_child</a:t>
+            </a:r>
+            <a:r>
+              <a:rPr lang="en-US" dirty="0"/>
+              <a:t>()…… I am able to search for a specific node, in this case, called “Enemies”. This node contains all of the enemy objects for the level, so by using </a:t>
+            </a:r>
+            <a:r>
+              <a:rPr lang="en-US" dirty="0" err="1"/>
+              <a:t>get_child_count</a:t>
+            </a:r>
+            <a:r>
+              <a:rPr lang="en-US" dirty="0"/>
+              <a:t>(), I’m able to find the number of enemies on the screen. Now I don’t have to tweak the code every time I change a level.</a:t>
+            </a:r>
+          </a:p>
+          <a:p>
+            <a:pPr marL="0" indent="0">
+              <a:buNone/>
+            </a:pPr>
+            <a:endParaRPr lang="en-US" dirty="0"/>
           </a:p>
         </p:txBody>
       </p:sp>
@@ -4113,31 +4394,77 @@
           </a:p>
         </p:txBody>
       </p:sp>
-      <p:sp>
-        <p:nvSpPr>
-          <p:cNvPr id="3" name="Content Placeholder 2">
+      <p:pic>
+        <p:nvPicPr>
+          <p:cNvPr id="13" name="Picture 12" descr="A computer screen shot of text&#10;&#10;Description automatically generated">
             <a:extLst>
               <a:ext uri="{FF2B5EF4-FFF2-40B4-BE49-F238E27FC236}">
-                <a16:creationId xmlns:a16="http://schemas.microsoft.com/office/drawing/2014/main" id="{B733B72D-90B3-6696-1D14-3B7EEC9C4367}"/>
+                <a16:creationId xmlns:a16="http://schemas.microsoft.com/office/drawing/2014/main" id="{8F02A5D6-0689-91E6-EF20-D2CD6D3081C4}"/>
               </a:ext>
             </a:extLst>
           </p:cNvPr>
-          <p:cNvSpPr>
-            <a:spLocks noGrp="1"/>
-          </p:cNvSpPr>
+          <p:cNvPicPr>
+            <a:picLocks noChangeAspect="1"/>
+          </p:cNvPicPr>
+          <p:nvPr/>
+        </p:nvPicPr>
+        <p:blipFill>
+          <a:blip r:embed="rId2">
+            <a:extLst>
+              <a:ext uri="{28A0092B-C50C-407E-A947-70E740481C1C}">
+                <a14:useLocalDpi xmlns:a14="http://schemas.microsoft.com/office/drawing/2010/main" val="0"/>
+              </a:ext>
+            </a:extLst>
+          </a:blip>
+          <a:stretch>
+            <a:fillRect/>
+          </a:stretch>
+        </p:blipFill>
+        <p:spPr>
+          <a:xfrm>
+            <a:off x="2392049" y="3429000"/>
+            <a:ext cx="9093827" cy="2292350"/>
+          </a:xfrm>
+          <a:prstGeom prst="rect">
+            <a:avLst/>
+          </a:prstGeom>
+        </p:spPr>
+      </p:pic>
+      <p:pic>
+        <p:nvPicPr>
+          <p:cNvPr id="17" name="Content Placeholder 16">
+            <a:extLst>
+              <a:ext uri="{FF2B5EF4-FFF2-40B4-BE49-F238E27FC236}">
+                <a16:creationId xmlns:a16="http://schemas.microsoft.com/office/drawing/2014/main" id="{94939421-9640-C67B-630C-46CC5BB9E959}"/>
+              </a:ext>
+            </a:extLst>
+          </p:cNvPr>
+          <p:cNvPicPr>
+            <a:picLocks noGrp="1" noChangeAspect="1"/>
+          </p:cNvPicPr>
           <p:nvPr>
             <p:ph idx="1"/>
           </p:nvPr>
-        </p:nvSpPr>
-        <p:spPr/>
-        <p:txBody>
-          <a:bodyPr/>
-          <a:lstStyle/>
-          <a:p>
-            <a:endParaRPr lang="en-US"/>
-          </a:p>
-        </p:txBody>
-      </p:sp>
+        </p:nvPicPr>
+        <p:blipFill>
+          <a:blip r:embed="rId3">
+            <a:extLst>
+              <a:ext uri="{28A0092B-C50C-407E-A947-70E740481C1C}">
+                <a14:useLocalDpi xmlns:a14="http://schemas.microsoft.com/office/drawing/2010/main" val="0"/>
+              </a:ext>
+            </a:extLst>
+          </a:blip>
+          <a:stretch>
+            <a:fillRect/>
+          </a:stretch>
+        </p:blipFill>
+        <p:spPr>
+          <a:xfrm>
+            <a:off x="460374" y="1690688"/>
+            <a:ext cx="10587207" cy="540544"/>
+          </a:xfrm>
+        </p:spPr>
+      </p:pic>
     </p:spTree>
     <p:extLst>
       <p:ext uri="{BB962C8B-B14F-4D97-AF65-F5344CB8AC3E}">
@@ -4229,7 +4556,7 @@
           <a:p>
             <a:r>
               <a:rPr lang="en-US" dirty="0"/>
-              <a:t>What is something you are struggling with in your game?</a:t>
+              <a:t>How do I make it so that when there are multiple player fish on the screen, they move independently? Right now, if a new fish is spawned and I fling it, all of the other fish also fling.</a:t>
             </a:r>
           </a:p>
         </p:txBody>
@@ -4342,6 +4669,13 @@
             </a:r>
           </a:p>
           <a:p>
+            <a:pPr lvl="2"/>
+            <a:r>
+              <a:rPr lang="en-US" dirty="0"/>
+              <a:t>Evan said my structure is well organized and he could find where everything was.</a:t>
+            </a:r>
+          </a:p>
+          <a:p>
             <a:pPr lvl="1"/>
             <a:r>
               <a:rPr lang="en-US" dirty="0"/>
@@ -4349,6 +4683,13 @@
             </a:r>
           </a:p>
           <a:p>
+            <a:pPr lvl="2"/>
+            <a:r>
+              <a:rPr lang="en-US" dirty="0"/>
+              <a:t>The comments make the code easily understandable.</a:t>
+            </a:r>
+          </a:p>
+          <a:p>
             <a:pPr lvl="1"/>
             <a:r>
               <a:rPr lang="en-US" dirty="0"/>
@@ -4356,6 +4697,13 @@
             </a:r>
           </a:p>
           <a:p>
+            <a:pPr lvl="2"/>
+            <a:r>
+              <a:rPr lang="en-US" dirty="0"/>
+              <a:t>There is no unnecessary repetitions. Any repeated lines of code are in functions.</a:t>
+            </a:r>
+          </a:p>
+          <a:p>
             <a:pPr lvl="1"/>
             <a:r>
               <a:rPr lang="en-US" dirty="0"/>
@@ -4363,10 +4711,32 @@
             </a:r>
           </a:p>
           <a:p>
+            <a:pPr lvl="2"/>
+            <a:r>
+              <a:rPr lang="en-US" dirty="0"/>
+              <a:t>Very readable. Everything makes sense.</a:t>
+            </a:r>
+          </a:p>
+          <a:p>
             <a:pPr lvl="1"/>
             <a:r>
               <a:rPr lang="en-US" dirty="0"/>
               <a:t>Succinctness </a:t>
+            </a:r>
+          </a:p>
+          <a:p>
+            <a:pPr lvl="2"/>
+            <a:r>
+              <a:rPr lang="en-US" dirty="0"/>
+              <a:t>There are some lines of the code that could </a:t>
+            </a:r>
+            <a:r>
+              <a:rPr lang="en-US" i="1" dirty="0"/>
+              <a:t>probably</a:t>
+            </a:r>
+            <a:r>
+              <a:rPr lang="en-US" dirty="0"/>
+              <a:t> be shortened. </a:t>
             </a:r>
           </a:p>
         </p:txBody>
@@ -4462,32 +4832,19 @@
           <a:p>
             <a:r>
               <a:rPr lang="en-US" dirty="0"/>
-              <a:t>Delete this and add 2-3 takeaways from your discussion with your peer</a:t>
-            </a:r>
-          </a:p>
-          <a:p>
-            <a:r>
-              <a:rPr lang="en-US" dirty="0"/>
-              <a:t>Learned X</a:t>
-            </a:r>
-          </a:p>
-          <a:p>
-            <a:r>
-              <a:rPr lang="en-US" dirty="0"/>
-              <a:t>Decided Y would be important to focus on next</a:t>
-            </a:r>
-          </a:p>
-          <a:p>
-            <a:r>
-              <a:rPr lang="en-US" dirty="0"/>
-              <a:t>Focus on coding principles:</a:t>
-            </a:r>
-          </a:p>
-          <a:p>
-            <a:pPr lvl="1"/>
-            <a:r>
-              <a:rPr lang="en-US" dirty="0"/>
-              <a:t>Commenting, indentation, good variable names, general structure</a:t>
+              <a:t>I learned how to get specific nodes from the node tree within a script, which will allow me to manipulate more aspects of my game.</a:t>
+            </a:r>
+          </a:p>
+          <a:p>
+            <a:r>
+              <a:rPr lang="en-US" dirty="0"/>
+              <a:t>Next, I’m going to focus on getting the birds to move independently, rather than all moving off of one input.</a:t>
+            </a:r>
+          </a:p>
+          <a:p>
+            <a:r>
+              <a:rPr lang="en-US" dirty="0"/>
+              <a:t>I’m very happy with my quality of code in terms of readability, variable names, etc., but I’m sure there are more efficient ways to do some of it. I’ll find those ways later on in the project.</a:t>
             </a:r>
           </a:p>
           <a:p>
@@ -4582,7 +4939,9 @@
         </p:nvSpPr>
         <p:spPr/>
         <p:txBody>
-          <a:bodyPr/>
+          <a:bodyPr>
+            <a:normAutofit fontScale="92500" lnSpcReduction="10000"/>
+          </a:bodyPr>
           <a:lstStyle/>
           <a:p>
             <a:r>
@@ -4594,22 +4953,49 @@
             <a:pPr lvl="1"/>
             <a:r>
               <a:rPr lang="en-US" dirty="0"/>
-              <a:t>Unknowns about Godot</a:t>
+              <a:t>I gained a better understanding of how export variables work. I’m also more comfortable with referencing other nodes within my code.</a:t>
             </a:r>
           </a:p>
           <a:p>
             <a:pPr lvl="1"/>
             <a:r>
               <a:rPr lang="en-US" dirty="0"/>
-              <a:t>New resources found</a:t>
+              <a:t>I really like that you can use </a:t>
+            </a:r>
+            <a:r>
+              <a:rPr lang="en-US" dirty="0" err="1"/>
+              <a:t>find_child</a:t>
+            </a:r>
+            <a:r>
+              <a:rPr lang="en-US" dirty="0"/>
+              <a:t>() to get a specific node in a tree, rather than searching for it using an index. I feel like by searching with an index, it would be easy for things to break because the order of nodes in a tree is always subject to change.</a:t>
             </a:r>
           </a:p>
           <a:p>
             <a:pPr lvl="1"/>
             <a:r>
               <a:rPr lang="en-US" dirty="0"/>
-              <a:t>What you tried that didn’t work – and how you’re going to try something new</a:t>
-            </a:r>
+              <a:t>One thing I’m not happy with is that every time an enemy is killed, a new player fish is spawned. I need to look into that.</a:t>
+            </a:r>
+          </a:p>
+          <a:p>
+            <a:pPr lvl="1"/>
+            <a:r>
+              <a:rPr lang="en-US" dirty="0"/>
+              <a:t>One helpful piece of feedback I received was from Evan about how a specific line of code seemed longer than it needs to be. I just need to do some more research and figure out how to cut it down.</a:t>
+            </a:r>
+          </a:p>
+          <a:p>
+            <a:pPr lvl="2"/>
+            <a:r>
+              <a:rPr lang="en-US" dirty="0"/>
+              <a:t>I can give helpful feedback by being specific about what I think should be done differently. Just saying “some of your comments are unnecessary” is not helpful. Instead, ”this comment on this line is bad” would be much </a:t>
+            </a:r>
+            <a:r>
+              <a:rPr lang="en-US"/>
+              <a:t>more insightful. </a:t>
+            </a:r>
+            <a:endParaRPr lang="en-US" dirty="0"/>
           </a:p>
         </p:txBody>
       </p:sp>
@@ -4711,16 +5097,28 @@
             <a:pPr marL="0" indent="0">
               <a:buNone/>
             </a:pPr>
-            <a:r>
-              <a:rPr lang="en-US" dirty="0"/>
-              <a:t>Bold your self-assessment on the following areas</a:t>
-            </a:r>
+            <a:endParaRPr lang="en-US" dirty="0"/>
           </a:p>
           <a:p>
             <a:pPr marL="0" indent="0">
               <a:buNone/>
             </a:pPr>
-            <a:endParaRPr lang="en-US" dirty="0"/>
+            <a:r>
+              <a:rPr lang="en-US" dirty="0"/>
+              <a:t>Project progress			poor	</a:t>
+            </a:r>
+            <a:r>
+              <a:rPr lang="en-US" b="1" dirty="0">
+                <a:solidFill>
+                  <a:srgbClr val="FF0000"/>
+                </a:solidFill>
+              </a:rPr>
+              <a:t>acceptable</a:t>
+            </a:r>
+            <a:r>
+              <a:rPr lang="en-US" dirty="0"/>
+              <a:t>	excellent</a:t>
+            </a:r>
           </a:p>
           <a:p>
             <a:pPr marL="0" indent="0">
@@ -4728,7 +5126,15 @@
             </a:pPr>
             <a:r>
               <a:rPr lang="en-US" dirty="0"/>
-              <a:t>Project progress			poor	acceptable	excellent</a:t>
+              <a:t>Variable naming			poor	acceptable	</a:t>
+            </a:r>
+            <a:r>
+              <a:rPr lang="en-US" b="1" dirty="0">
+                <a:solidFill>
+                  <a:srgbClr val="FF0000"/>
+                </a:solidFill>
+              </a:rPr>
+              <a:t>excellent</a:t>
             </a:r>
           </a:p>
           <a:p>
@@ -4737,7 +5143,15 @@
             </a:pPr>
             <a:r>
               <a:rPr lang="en-US" dirty="0"/>
-              <a:t>Variable naming			poor	acceptable	excellent</a:t>
+              <a:t>Debugging / problem solving	poor	acceptable	</a:t>
+            </a:r>
+            <a:r>
+              <a:rPr lang="en-US" b="1" dirty="0">
+                <a:solidFill>
+                  <a:srgbClr val="FF0000"/>
+                </a:solidFill>
+              </a:rPr>
+              <a:t>excellent</a:t>
             </a:r>
           </a:p>
           <a:p>
@@ -4746,7 +5160,15 @@
             </a:pPr>
             <a:r>
               <a:rPr lang="en-US" dirty="0"/>
-              <a:t>Debugging / problem solving	poor	acceptable	excellent</a:t>
+              <a:t>Godot exploration			poor	acceptable	</a:t>
+            </a:r>
+            <a:r>
+              <a:rPr lang="en-US" b="1" dirty="0">
+                <a:solidFill>
+                  <a:srgbClr val="FF0000"/>
+                </a:solidFill>
+              </a:rPr>
+              <a:t>excellent</a:t>
             </a:r>
           </a:p>
           <a:p>
@@ -4755,16 +5177,19 @@
             </a:pPr>
             <a:r>
               <a:rPr lang="en-US" dirty="0"/>
-              <a:t>Godot exploration			poor	acceptable	excellent</a:t>
-            </a:r>
-          </a:p>
-          <a:p>
-            <a:pPr marL="0" indent="0">
-              <a:buNone/>
-            </a:pPr>
-            <a:r>
-              <a:rPr lang="en-US" dirty="0"/>
-              <a:t>Polish plans				poor	acceptable	excellent</a:t>
+              <a:t>Polish plans				poor	</a:t>
+            </a:r>
+            <a:r>
+              <a:rPr lang="en-US" b="1" dirty="0">
+                <a:solidFill>
+                  <a:srgbClr val="FF0000"/>
+                </a:solidFill>
+              </a:rPr>
+              <a:t>acceptable</a:t>
+            </a:r>
+            <a:r>
+              <a:rPr lang="en-US" dirty="0"/>
+              <a:t>	excellent</a:t>
             </a:r>
           </a:p>
         </p:txBody>

--- a/CS315 P1 Production.pptx
+++ b/CS315 P1 Production.pptx
@@ -130,7 +130,7 @@
 <file path=ppt/revisionInfo.xml><?xml version="1.0" encoding="utf-8"?>
 <p1510:revInfo xmlns:a="http://schemas.openxmlformats.org/drawingml/2006/main" xmlns:r="http://schemas.openxmlformats.org/officeDocument/2006/relationships" xmlns:p1510="http://schemas.microsoft.com/office/powerpoint/2015/10/main">
   <p1510:revLst>
-    <p1510:client id="{F7F5C636-30E2-734F-92E9-A24C58332266}" v="10" dt="2024-09-13T20:50:08.350"/>
+    <p1510:client id="{F7F5C636-30E2-734F-92E9-A24C58332266}" v="13" dt="2024-09-27T18:40:44.413"/>
   </p1510:revLst>
 </p1510:revInfo>
 </file>
@@ -139,8 +139,8 @@
 <pc:chgInfo xmlns:a="http://schemas.openxmlformats.org/drawingml/2006/main" xmlns:r="http://schemas.openxmlformats.org/officeDocument/2006/relationships" xmlns:ac="http://schemas.microsoft.com/office/drawing/2013/main/command" xmlns:pc="http://schemas.microsoft.com/office/powerpoint/2013/main/command">
   <pc:docChgLst>
     <pc:chgData name="Smith, Spencer" userId="1695a3fb-7268-4f5e-8a0e-9e4d3170de61" providerId="ADAL" clId="{F7F5C636-30E2-734F-92E9-A24C58332266}"/>
-    <pc:docChg chg="custSel modSld">
-      <pc:chgData name="Smith, Spencer" userId="1695a3fb-7268-4f5e-8a0e-9e4d3170de61" providerId="ADAL" clId="{F7F5C636-30E2-734F-92E9-A24C58332266}" dt="2024-09-13T21:48:45.362" v="3810" actId="20577"/>
+    <pc:docChg chg="undo custSel modSld">
+      <pc:chgData name="Smith, Spencer" userId="1695a3fb-7268-4f5e-8a0e-9e4d3170de61" providerId="ADAL" clId="{F7F5C636-30E2-734F-92E9-A24C58332266}" dt="2024-09-27T18:51:10.751" v="6589" actId="207"/>
       <pc:docMkLst>
         <pc:docMk/>
       </pc:docMkLst>
@@ -323,6 +323,105 @@
         </pc:spChg>
       </pc:sldChg>
       <pc:sldChg chg="modSp mod">
+        <pc:chgData name="Smith, Spencer" userId="1695a3fb-7268-4f5e-8a0e-9e4d3170de61" providerId="ADAL" clId="{F7F5C636-30E2-734F-92E9-A24C58332266}" dt="2024-09-27T18:39:41.339" v="4757" actId="21"/>
+        <pc:sldMkLst>
+          <pc:docMk/>
+          <pc:sldMk cId="375951652" sldId="262"/>
+        </pc:sldMkLst>
+        <pc:spChg chg="mod">
+          <ac:chgData name="Smith, Spencer" userId="1695a3fb-7268-4f5e-8a0e-9e4d3170de61" providerId="ADAL" clId="{F7F5C636-30E2-734F-92E9-A24C58332266}" dt="2024-09-27T18:39:41.339" v="4757" actId="21"/>
+          <ac:spMkLst>
+            <pc:docMk/>
+            <pc:sldMk cId="375951652" sldId="262"/>
+            <ac:spMk id="3" creationId="{727F5119-B652-5A91-9AF9-B5C272576BB9}"/>
+          </ac:spMkLst>
+        </pc:spChg>
+      </pc:sldChg>
+      <pc:sldChg chg="addSp delSp modSp mod">
+        <pc:chgData name="Smith, Spencer" userId="1695a3fb-7268-4f5e-8a0e-9e4d3170de61" providerId="ADAL" clId="{F7F5C636-30E2-734F-92E9-A24C58332266}" dt="2024-09-27T18:40:57.837" v="4864" actId="14100"/>
+        <pc:sldMkLst>
+          <pc:docMk/>
+          <pc:sldMk cId="767231929" sldId="263"/>
+        </pc:sldMkLst>
+        <pc:spChg chg="del">
+          <ac:chgData name="Smith, Spencer" userId="1695a3fb-7268-4f5e-8a0e-9e4d3170de61" providerId="ADAL" clId="{F7F5C636-30E2-734F-92E9-A24C58332266}" dt="2024-09-27T18:39:19.290" v="4756"/>
+          <ac:spMkLst>
+            <pc:docMk/>
+            <pc:sldMk cId="767231929" sldId="263"/>
+            <ac:spMk id="3" creationId="{9CAE7D8B-8C08-4E66-DB2C-0EF8F1D7CAE3}"/>
+          </ac:spMkLst>
+        </pc:spChg>
+        <pc:spChg chg="add mod">
+          <ac:chgData name="Smith, Spencer" userId="1695a3fb-7268-4f5e-8a0e-9e4d3170de61" providerId="ADAL" clId="{F7F5C636-30E2-734F-92E9-A24C58332266}" dt="2024-09-27T18:40:13.422" v="4855" actId="1076"/>
+          <ac:spMkLst>
+            <pc:docMk/>
+            <pc:sldMk cId="767231929" sldId="263"/>
+            <ac:spMk id="6" creationId="{E701BC43-4413-C46E-446A-EB8FB879D785}"/>
+          </ac:spMkLst>
+        </pc:spChg>
+        <pc:picChg chg="add mod">
+          <ac:chgData name="Smith, Spencer" userId="1695a3fb-7268-4f5e-8a0e-9e4d3170de61" providerId="ADAL" clId="{F7F5C636-30E2-734F-92E9-A24C58332266}" dt="2024-09-27T18:40:57.837" v="4864" actId="14100"/>
+          <ac:picMkLst>
+            <pc:docMk/>
+            <pc:sldMk cId="767231929" sldId="263"/>
+            <ac:picMk id="5" creationId="{B966917A-8A1B-A3BE-A405-0458BCB09F03}"/>
+          </ac:picMkLst>
+        </pc:picChg>
+        <pc:picChg chg="add mod">
+          <ac:chgData name="Smith, Spencer" userId="1695a3fb-7268-4f5e-8a0e-9e4d3170de61" providerId="ADAL" clId="{F7F5C636-30E2-734F-92E9-A24C58332266}" dt="2024-09-27T18:40:54.133" v="4862" actId="14100"/>
+          <ac:picMkLst>
+            <pc:docMk/>
+            <pc:sldMk cId="767231929" sldId="263"/>
+            <ac:picMk id="8" creationId="{2037E036-24CB-1C18-F955-6C1885DD6283}"/>
+          </ac:picMkLst>
+        </pc:picChg>
+      </pc:sldChg>
+      <pc:sldChg chg="modSp mod">
+        <pc:chgData name="Smith, Spencer" userId="1695a3fb-7268-4f5e-8a0e-9e4d3170de61" providerId="ADAL" clId="{F7F5C636-30E2-734F-92E9-A24C58332266}" dt="2024-09-27T18:39:48.290" v="4758"/>
+        <pc:sldMkLst>
+          <pc:docMk/>
+          <pc:sldMk cId="3936611777" sldId="264"/>
+        </pc:sldMkLst>
+        <pc:spChg chg="mod">
+          <ac:chgData name="Smith, Spencer" userId="1695a3fb-7268-4f5e-8a0e-9e4d3170de61" providerId="ADAL" clId="{F7F5C636-30E2-734F-92E9-A24C58332266}" dt="2024-09-27T18:39:48.290" v="4758"/>
+          <ac:spMkLst>
+            <pc:docMk/>
+            <pc:sldMk cId="3936611777" sldId="264"/>
+            <ac:spMk id="3" creationId="{34BC329A-DF35-F432-8BF5-6DFF86F79A45}"/>
+          </ac:spMkLst>
+        </pc:spChg>
+      </pc:sldChg>
+      <pc:sldChg chg="modSp mod">
+        <pc:chgData name="Smith, Spencer" userId="1695a3fb-7268-4f5e-8a0e-9e4d3170de61" providerId="ADAL" clId="{F7F5C636-30E2-734F-92E9-A24C58332266}" dt="2024-09-27T18:46:06.652" v="5713" actId="20577"/>
+        <pc:sldMkLst>
+          <pc:docMk/>
+          <pc:sldMk cId="408124002" sldId="265"/>
+        </pc:sldMkLst>
+        <pc:spChg chg="mod">
+          <ac:chgData name="Smith, Spencer" userId="1695a3fb-7268-4f5e-8a0e-9e4d3170de61" providerId="ADAL" clId="{F7F5C636-30E2-734F-92E9-A24C58332266}" dt="2024-09-27T18:46:06.652" v="5713" actId="20577"/>
+          <ac:spMkLst>
+            <pc:docMk/>
+            <pc:sldMk cId="408124002" sldId="265"/>
+            <ac:spMk id="3" creationId="{6534613F-5579-2485-6545-97DB7A90B568}"/>
+          </ac:spMkLst>
+        </pc:spChg>
+      </pc:sldChg>
+      <pc:sldChg chg="modSp mod">
+        <pc:chgData name="Smith, Spencer" userId="1695a3fb-7268-4f5e-8a0e-9e4d3170de61" providerId="ADAL" clId="{F7F5C636-30E2-734F-92E9-A24C58332266}" dt="2024-09-27T18:50:48.247" v="6579" actId="20577"/>
+        <pc:sldMkLst>
+          <pc:docMk/>
+          <pc:sldMk cId="1893240400" sldId="266"/>
+        </pc:sldMkLst>
+        <pc:spChg chg="mod">
+          <ac:chgData name="Smith, Spencer" userId="1695a3fb-7268-4f5e-8a0e-9e4d3170de61" providerId="ADAL" clId="{F7F5C636-30E2-734F-92E9-A24C58332266}" dt="2024-09-27T18:50:48.247" v="6579" actId="20577"/>
+          <ac:spMkLst>
+            <pc:docMk/>
+            <pc:sldMk cId="1893240400" sldId="266"/>
+            <ac:spMk id="3" creationId="{A6466B45-1293-F8D1-F5F2-C487632F5D96}"/>
+          </ac:spMkLst>
+        </pc:spChg>
+      </pc:sldChg>
+      <pc:sldChg chg="modSp mod">
         <pc:chgData name="Smith, Spencer" userId="1695a3fb-7268-4f5e-8a0e-9e4d3170de61" providerId="ADAL" clId="{F7F5C636-30E2-734F-92E9-A24C58332266}" dt="2024-09-13T21:46:35.425" v="3303" actId="20577"/>
         <pc:sldMkLst>
           <pc:docMk/>
@@ -352,6 +451,21 @@
           </ac:spMkLst>
         </pc:spChg>
       </pc:sldChg>
+      <pc:sldChg chg="modSp mod">
+        <pc:chgData name="Smith, Spencer" userId="1695a3fb-7268-4f5e-8a0e-9e4d3170de61" providerId="ADAL" clId="{F7F5C636-30E2-734F-92E9-A24C58332266}" dt="2024-09-27T18:51:10.751" v="6589" actId="207"/>
+        <pc:sldMkLst>
+          <pc:docMk/>
+          <pc:sldMk cId="3595701023" sldId="271"/>
+        </pc:sldMkLst>
+        <pc:spChg chg="mod">
+          <ac:chgData name="Smith, Spencer" userId="1695a3fb-7268-4f5e-8a0e-9e4d3170de61" providerId="ADAL" clId="{F7F5C636-30E2-734F-92E9-A24C58332266}" dt="2024-09-27T18:51:10.751" v="6589" actId="207"/>
+          <ac:spMkLst>
+            <pc:docMk/>
+            <pc:sldMk cId="3595701023" sldId="271"/>
+            <ac:spMk id="3" creationId="{3E495E12-4BD8-F183-39B9-94E0836F40AE}"/>
+          </ac:spMkLst>
+        </pc:spChg>
+      </pc:sldChg>
     </pc:docChg>
   </pc:docChgLst>
 </pc:chgInfo>
@@ -488,7 +602,7 @@
           <a:p>
             <a:fld id="{052CEAA0-CEA8-4860-9757-7A11AC3F23CB}" type="datetimeFigureOut">
               <a:rPr lang="en-US" smtClean="0"/>
-              <a:t>9/13/24</a:t>
+              <a:t>9/27/24</a:t>
             </a:fld>
             <a:endParaRPr lang="en-US"/>
           </a:p>
@@ -658,7 +772,7 @@
           <a:p>
             <a:fld id="{052CEAA0-CEA8-4860-9757-7A11AC3F23CB}" type="datetimeFigureOut">
               <a:rPr lang="en-US" smtClean="0"/>
-              <a:t>9/13/24</a:t>
+              <a:t>9/27/24</a:t>
             </a:fld>
             <a:endParaRPr lang="en-US"/>
           </a:p>
@@ -838,7 +952,7 @@
           <a:p>
             <a:fld id="{052CEAA0-CEA8-4860-9757-7A11AC3F23CB}" type="datetimeFigureOut">
               <a:rPr lang="en-US" smtClean="0"/>
-              <a:t>9/13/24</a:t>
+              <a:t>9/27/24</a:t>
             </a:fld>
             <a:endParaRPr lang="en-US"/>
           </a:p>
@@ -1008,7 +1122,7 @@
           <a:p>
             <a:fld id="{052CEAA0-CEA8-4860-9757-7A11AC3F23CB}" type="datetimeFigureOut">
               <a:rPr lang="en-US" smtClean="0"/>
-              <a:t>9/13/24</a:t>
+              <a:t>9/27/24</a:t>
             </a:fld>
             <a:endParaRPr lang="en-US"/>
           </a:p>
@@ -1254,7 +1368,7 @@
           <a:p>
             <a:fld id="{052CEAA0-CEA8-4860-9757-7A11AC3F23CB}" type="datetimeFigureOut">
               <a:rPr lang="en-US" smtClean="0"/>
-              <a:t>9/13/24</a:t>
+              <a:t>9/27/24</a:t>
             </a:fld>
             <a:endParaRPr lang="en-US"/>
           </a:p>
@@ -1486,7 +1600,7 @@
           <a:p>
             <a:fld id="{052CEAA0-CEA8-4860-9757-7A11AC3F23CB}" type="datetimeFigureOut">
               <a:rPr lang="en-US" smtClean="0"/>
-              <a:t>9/13/24</a:t>
+              <a:t>9/27/24</a:t>
             </a:fld>
             <a:endParaRPr lang="en-US"/>
           </a:p>
@@ -1853,7 +1967,7 @@
           <a:p>
             <a:fld id="{052CEAA0-CEA8-4860-9757-7A11AC3F23CB}" type="datetimeFigureOut">
               <a:rPr lang="en-US" smtClean="0"/>
-              <a:t>9/13/24</a:t>
+              <a:t>9/27/24</a:t>
             </a:fld>
             <a:endParaRPr lang="en-US"/>
           </a:p>
@@ -1971,7 +2085,7 @@
           <a:p>
             <a:fld id="{052CEAA0-CEA8-4860-9757-7A11AC3F23CB}" type="datetimeFigureOut">
               <a:rPr lang="en-US" smtClean="0"/>
-              <a:t>9/13/24</a:t>
+              <a:t>9/27/24</a:t>
             </a:fld>
             <a:endParaRPr lang="en-US"/>
           </a:p>
@@ -2066,7 +2180,7 @@
           <a:p>
             <a:fld id="{052CEAA0-CEA8-4860-9757-7A11AC3F23CB}" type="datetimeFigureOut">
               <a:rPr lang="en-US" smtClean="0"/>
-              <a:t>9/13/24</a:t>
+              <a:t>9/27/24</a:t>
             </a:fld>
             <a:endParaRPr lang="en-US"/>
           </a:p>
@@ -2343,7 +2457,7 @@
           <a:p>
             <a:fld id="{052CEAA0-CEA8-4860-9757-7A11AC3F23CB}" type="datetimeFigureOut">
               <a:rPr lang="en-US" smtClean="0"/>
-              <a:t>9/13/24</a:t>
+              <a:t>9/27/24</a:t>
             </a:fld>
             <a:endParaRPr lang="en-US"/>
           </a:p>
@@ -2600,7 +2714,7 @@
           <a:p>
             <a:fld id="{052CEAA0-CEA8-4860-9757-7A11AC3F23CB}" type="datetimeFigureOut">
               <a:rPr lang="en-US" smtClean="0"/>
-              <a:t>9/13/24</a:t>
+              <a:t>9/27/24</a:t>
             </a:fld>
             <a:endParaRPr lang="en-US"/>
           </a:p>
@@ -2813,7 +2927,7 @@
           <a:p>
             <a:fld id="{052CEAA0-CEA8-4860-9757-7A11AC3F23CB}" type="datetimeFigureOut">
               <a:rPr lang="en-US" smtClean="0"/>
-              <a:t>9/13/24</a:t>
+              <a:t>9/27/24</a:t>
             </a:fld>
             <a:endParaRPr lang="en-US"/>
           </a:p>
@@ -3441,31 +3555,112 @@
           </a:p>
         </p:txBody>
       </p:sp>
-      <p:sp>
-        <p:nvSpPr>
-          <p:cNvPr id="3" name="Content Placeholder 2">
+      <p:pic>
+        <p:nvPicPr>
+          <p:cNvPr id="5" name="Content Placeholder 4">
             <a:extLst>
               <a:ext uri="{FF2B5EF4-FFF2-40B4-BE49-F238E27FC236}">
-                <a16:creationId xmlns:a16="http://schemas.microsoft.com/office/drawing/2014/main" id="{9CAE7D8B-8C08-4E66-DB2C-0EF8F1D7CAE3}"/>
+                <a16:creationId xmlns:a16="http://schemas.microsoft.com/office/drawing/2014/main" id="{B966917A-8A1B-A3BE-A405-0458BCB09F03}"/>
               </a:ext>
             </a:extLst>
           </p:cNvPr>
-          <p:cNvSpPr>
-            <a:spLocks noGrp="1"/>
-          </p:cNvSpPr>
+          <p:cNvPicPr>
+            <a:picLocks noGrp="1" noChangeAspect="1"/>
+          </p:cNvPicPr>
           <p:nvPr>
             <p:ph idx="1"/>
           </p:nvPr>
-        </p:nvSpPr>
-        <p:spPr/>
-        <p:txBody>
-          <a:bodyPr/>
-          <a:lstStyle/>
-          <a:p>
-            <a:endParaRPr lang="en-US"/>
-          </a:p>
-        </p:txBody>
-      </p:sp>
+        </p:nvPicPr>
+        <p:blipFill>
+          <a:blip r:embed="rId2">
+            <a:extLst>
+              <a:ext uri="{28A0092B-C50C-407E-A947-70E740481C1C}">
+                <a14:useLocalDpi xmlns:a14="http://schemas.microsoft.com/office/drawing/2010/main" val="0"/>
+              </a:ext>
+            </a:extLst>
+          </a:blip>
+          <a:stretch>
+            <a:fillRect/>
+          </a:stretch>
+        </p:blipFill>
+        <p:spPr>
+          <a:xfrm>
+            <a:off x="5563329" y="2756465"/>
+            <a:ext cx="5729758" cy="2430131"/>
+          </a:xfrm>
+        </p:spPr>
+      </p:pic>
+      <p:sp>
+        <p:nvSpPr>
+          <p:cNvPr id="6" name="TextBox 5">
+            <a:extLst>
+              <a:ext uri="{FF2B5EF4-FFF2-40B4-BE49-F238E27FC236}">
+                <a16:creationId xmlns:a16="http://schemas.microsoft.com/office/drawing/2014/main" id="{E701BC43-4413-C46E-446A-EB8FB879D785}"/>
+              </a:ext>
+            </a:extLst>
+          </p:cNvPr>
+          <p:cNvSpPr txBox="1"/>
+          <p:nvPr/>
+        </p:nvSpPr>
+        <p:spPr>
+          <a:xfrm>
+            <a:off x="2019050" y="6123543"/>
+            <a:ext cx="8153899" cy="369332"/>
+          </a:xfrm>
+          <a:prstGeom prst="rect">
+            <a:avLst/>
+          </a:prstGeom>
+          <a:noFill/>
+        </p:spPr>
+        <p:txBody>
+          <a:bodyPr wrap="none" rtlCol="0">
+            <a:spAutoFit/>
+          </a:bodyPr>
+          <a:lstStyle/>
+          <a:p>
+            <a:r>
+              <a:rPr lang="en-US" dirty="0"/>
+              <a:t>This is the solution to the issues I was having. Those issues are noted in the next slide.</a:t>
+            </a:r>
+          </a:p>
+        </p:txBody>
+      </p:sp>
+      <p:pic>
+        <p:nvPicPr>
+          <p:cNvPr id="8" name="Picture 7" descr="A computer screen shot of a program&#10;&#10;Description automatically generated">
+            <a:extLst>
+              <a:ext uri="{FF2B5EF4-FFF2-40B4-BE49-F238E27FC236}">
+                <a16:creationId xmlns:a16="http://schemas.microsoft.com/office/drawing/2014/main" id="{2037E036-24CB-1C18-F955-6C1885DD6283}"/>
+              </a:ext>
+            </a:extLst>
+          </p:cNvPr>
+          <p:cNvPicPr>
+            <a:picLocks noChangeAspect="1"/>
+          </p:cNvPicPr>
+          <p:nvPr/>
+        </p:nvPicPr>
+        <p:blipFill>
+          <a:blip r:embed="rId3">
+            <a:extLst>
+              <a:ext uri="{28A0092B-C50C-407E-A947-70E740481C1C}">
+                <a14:useLocalDpi xmlns:a14="http://schemas.microsoft.com/office/drawing/2010/main" val="0"/>
+              </a:ext>
+            </a:extLst>
+          </a:blip>
+          <a:stretch>
+            <a:fillRect/>
+          </a:stretch>
+        </p:blipFill>
+        <p:spPr>
+          <a:xfrm>
+            <a:off x="838199" y="1849715"/>
+            <a:ext cx="4319941" cy="2232314"/>
+          </a:xfrm>
+          <a:prstGeom prst="rect">
+            <a:avLst/>
+          </a:prstGeom>
+        </p:spPr>
+      </p:pic>
     </p:spTree>
     <p:extLst>
       <p:ext uri="{BB962C8B-B14F-4D97-AF65-F5344CB8AC3E}">
@@ -3557,7 +3752,41 @@
           <a:p>
             <a:r>
               <a:rPr lang="en-US" dirty="0"/>
-              <a:t>What is something you are struggling with in this project?</a:t>
+              <a:t>I needed to refactor how my fish </a:t>
+            </a:r>
+            <a:r>
+              <a:rPr lang="en-US" dirty="0" err="1"/>
+              <a:t>respawner</a:t>
+            </a:r>
+            <a:r>
+              <a:rPr lang="en-US" dirty="0"/>
+              <a:t> worked.</a:t>
+            </a:r>
+          </a:p>
+          <a:p>
+            <a:r>
+              <a:rPr lang="en-US" dirty="0"/>
+              <a:t>Originally, it would check if there are still enemies left on the screen. If there were, it would spawn a new fish. There were a couple of problems with this approach.</a:t>
+            </a:r>
+          </a:p>
+          <a:p>
+            <a:pPr lvl="1"/>
+            <a:r>
+              <a:rPr lang="en-US" dirty="0"/>
+              <a:t>1. If one fish kills multiple bad guys, it will spawn multiple new fish at once.</a:t>
+            </a:r>
+          </a:p>
+          <a:p>
+            <a:pPr lvl="1"/>
+            <a:r>
+              <a:rPr lang="en-US" dirty="0"/>
+              <a:t>2. If the fish hits the barrier, a new fish will not spawn at all.</a:t>
+            </a:r>
+          </a:p>
+          <a:p>
+            <a:r>
+              <a:rPr lang="en-US" dirty="0"/>
+              <a:t>According to Aidan, I can fix this with a timer that spawns a new fish, regardless of the number of enemies. This stops the two issues I was having because the spawning of the fish is independent of the number of enemies left.</a:t>
             </a:r>
           </a:p>
         </p:txBody>
@@ -3651,30 +3880,32 @@
           <a:bodyPr/>
           <a:lstStyle/>
           <a:p>
-            <a:r>
-              <a:rPr lang="en-US" dirty="0"/>
-              <a:t>Delete and replace with summary bullet points about the aesthetics of your game:</a:t>
-            </a:r>
-          </a:p>
-          <a:p>
             <a:pPr lvl="1"/>
             <a:r>
               <a:rPr lang="en-US" dirty="0"/>
-              <a:t>Balance</a:t>
+              <a:t>The balance of my game is pretty good, but I think I could add a limit to the number of birds you get per level. As it is, the player gets as many birds that they need to beat the level.</a:t>
             </a:r>
           </a:p>
           <a:p>
             <a:pPr lvl="1"/>
             <a:r>
               <a:rPr lang="en-US" dirty="0"/>
-              <a:t>Emphasis</a:t>
+              <a:t>I’m putting a lot of emphasis on how smoothly the birds respawn and </a:t>
+            </a:r>
+            <a:r>
+              <a:rPr lang="en-US" dirty="0" err="1"/>
+              <a:t>despawn</a:t>
+            </a:r>
+            <a:r>
+              <a:rPr lang="en-US" dirty="0"/>
+              <a:t>. If they didn’t get disabled after they were flung, the player would be able to keep flinging the birds over and over again. After they are flung, a timer is started, and once it ends a new fish is spawned.</a:t>
             </a:r>
           </a:p>
           <a:p>
             <a:pPr lvl="1"/>
             <a:r>
               <a:rPr lang="en-US" dirty="0"/>
-              <a:t>Movement</a:t>
+              <a:t>For movement, once a bird is flung from its starting position, it’s no longer able to be flung again. You can’t fling another bird until a new one is spawned.</a:t>
             </a:r>
           </a:p>
         </p:txBody>
@@ -3768,23 +3999,25 @@
           <a:bodyPr/>
           <a:lstStyle/>
           <a:p>
-            <a:r>
-              <a:rPr lang="en-US" dirty="0"/>
-              <a:t>Delete and add your own reflection on</a:t>
-            </a:r>
-          </a:p>
-          <a:p>
             <a:pPr lvl="1"/>
             <a:r>
               <a:rPr lang="en-US" dirty="0"/>
-              <a:t>How you are learning to “structure” your project so it is maintainable long term</a:t>
+              <a:t>I’ve been saving everything as its own scene and putting each thing (scenes, assets, scripts, etc.) in its own folder. This makes it much easier to go in and edit a small part of the game without accidentally messing up something else. It’s also much easier to add in and take out new objects because I don’t have to worry about deleting something else’s child.</a:t>
             </a:r>
           </a:p>
           <a:p>
             <a:pPr lvl="1"/>
             <a:r>
               <a:rPr lang="en-US" dirty="0"/>
-              <a:t>Your approaches and strategies to messaging between objects in Godot</a:t>
+              <a:t>I think I still have a lot to learn about connecting signals to scripts. Everything I have works, but I think they could work a bit </a:t>
+            </a:r>
+            <a:r>
+              <a:rPr lang="en-US" i="1" dirty="0"/>
+              <a:t>better</a:t>
+            </a:r>
+            <a:r>
+              <a:rPr lang="en-US" dirty="0"/>
+              <a:t>. My connections could probably be much cleaner than they currently are.</a:t>
             </a:r>
           </a:p>
           <a:p>
@@ -3913,7 +4146,15 @@
             </a:pPr>
             <a:r>
               <a:rPr lang="en-US" dirty="0"/>
-              <a:t>Project progress			poor	acceptable	excellent</a:t>
+              <a:t>Project progress			poor	acceptable	</a:t>
+            </a:r>
+            <a:r>
+              <a:rPr lang="en-US" b="1" dirty="0">
+                <a:solidFill>
+                  <a:srgbClr val="FF0000"/>
+                </a:solidFill>
+              </a:rPr>
+              <a:t>excellent</a:t>
             </a:r>
           </a:p>
           <a:p>
@@ -3922,7 +4163,15 @@
             </a:pPr>
             <a:r>
               <a:rPr lang="en-US" dirty="0"/>
-              <a:t>Variable naming			poor	acceptable	excellent</a:t>
+              <a:t>Variable naming			poor	acceptable	</a:t>
+            </a:r>
+            <a:r>
+              <a:rPr lang="en-US" b="1" dirty="0">
+                <a:solidFill>
+                  <a:srgbClr val="FF0000"/>
+                </a:solidFill>
+              </a:rPr>
+              <a:t>excellent</a:t>
             </a:r>
           </a:p>
           <a:p>
@@ -3931,7 +4180,15 @@
             </a:pPr>
             <a:r>
               <a:rPr lang="en-US" dirty="0"/>
-              <a:t>Debugging / problem solving	poor	acceptable	excellent</a:t>
+              <a:t>Debugging / problem solving	poor	acceptable	</a:t>
+            </a:r>
+            <a:r>
+              <a:rPr lang="en-US" b="1" dirty="0">
+                <a:solidFill>
+                  <a:srgbClr val="FF0000"/>
+                </a:solidFill>
+              </a:rPr>
+              <a:t>excellent</a:t>
             </a:r>
           </a:p>
           <a:p>
@@ -3940,7 +4197,15 @@
             </a:pPr>
             <a:r>
               <a:rPr lang="en-US" dirty="0"/>
-              <a:t>Godot exploration			poor	acceptable	excellent</a:t>
+              <a:t>Godot exploration			poor	acceptable	</a:t>
+            </a:r>
+            <a:r>
+              <a:rPr lang="en-US" b="1" dirty="0">
+                <a:solidFill>
+                  <a:srgbClr val="FF0000"/>
+                </a:solidFill>
+              </a:rPr>
+              <a:t>excellent</a:t>
             </a:r>
           </a:p>
           <a:p>
@@ -3949,7 +4214,15 @@
             </a:pPr>
             <a:r>
               <a:rPr lang="en-US" dirty="0"/>
-              <a:t>Polish plans				poor	acceptable	excellent</a:t>
+              <a:t>Polish plans				poor	acceptable	</a:t>
+            </a:r>
+            <a:r>
+              <a:rPr lang="en-US" b="1" dirty="0">
+                <a:solidFill>
+                  <a:srgbClr val="FF0000"/>
+                </a:solidFill>
+              </a:rPr>
+              <a:t>excellent</a:t>
             </a:r>
           </a:p>
           <a:p>

--- a/CS315 P1 Production.pptx
+++ b/CS315 P1 Production.pptx
@@ -20,7 +20,7 @@
     <p:sldId id="266" r:id="rId14"/>
     <p:sldId id="271" r:id="rId15"/>
     <p:sldId id="267" r:id="rId16"/>
-    <p:sldId id="268" r:id="rId17"/>
+    <p:sldId id="272" r:id="rId17"/>
   </p:sldIdLst>
   <p:sldSz cx="12192000" cy="6858000"/>
   <p:notesSz cx="6858000" cy="9144000"/>
@@ -130,7 +130,7 @@
 <file path=ppt/revisionInfo.xml><?xml version="1.0" encoding="utf-8"?>
 <p1510:revInfo xmlns:a="http://schemas.openxmlformats.org/drawingml/2006/main" xmlns:r="http://schemas.openxmlformats.org/officeDocument/2006/relationships" xmlns:p1510="http://schemas.microsoft.com/office/powerpoint/2015/10/main">
   <p1510:revLst>
-    <p1510:client id="{F7F5C636-30E2-734F-92E9-A24C58332266}" v="13" dt="2024-09-27T18:40:44.413"/>
+    <p1510:client id="{F7F5C636-30E2-734F-92E9-A24C58332266}" v="15" dt="2024-10-04T18:42:47.168"/>
   </p1510:revLst>
 </p1510:revInfo>
 </file>
@@ -139,8 +139,8 @@
 <pc:chgInfo xmlns:a="http://schemas.openxmlformats.org/drawingml/2006/main" xmlns:r="http://schemas.openxmlformats.org/officeDocument/2006/relationships" xmlns:ac="http://schemas.microsoft.com/office/drawing/2013/main/command" xmlns:pc="http://schemas.microsoft.com/office/powerpoint/2013/main/command">
   <pc:docChgLst>
     <pc:chgData name="Smith, Spencer" userId="1695a3fb-7268-4f5e-8a0e-9e4d3170de61" providerId="ADAL" clId="{F7F5C636-30E2-734F-92E9-A24C58332266}"/>
-    <pc:docChg chg="undo custSel modSld">
-      <pc:chgData name="Smith, Spencer" userId="1695a3fb-7268-4f5e-8a0e-9e4d3170de61" providerId="ADAL" clId="{F7F5C636-30E2-734F-92E9-A24C58332266}" dt="2024-09-27T18:51:10.751" v="6589" actId="207"/>
+    <pc:docChg chg="undo custSel addSld delSld modSld">
+      <pc:chgData name="Smith, Spencer" userId="1695a3fb-7268-4f5e-8a0e-9e4d3170de61" providerId="ADAL" clId="{F7F5C636-30E2-734F-92E9-A24C58332266}" dt="2024-10-04T18:42:58.650" v="8934" actId="14100"/>
       <pc:docMkLst>
         <pc:docMk/>
       </pc:docMkLst>
@@ -421,6 +421,68 @@
           </ac:spMkLst>
         </pc:spChg>
       </pc:sldChg>
+      <pc:sldChg chg="addSp delSp modSp mod setBg">
+        <pc:chgData name="Smith, Spencer" userId="1695a3fb-7268-4f5e-8a0e-9e4d3170de61" providerId="ADAL" clId="{F7F5C636-30E2-734F-92E9-A24C58332266}" dt="2024-10-04T18:42:58.650" v="8934" actId="14100"/>
+        <pc:sldMkLst>
+          <pc:docMk/>
+          <pc:sldMk cId="2899764097" sldId="267"/>
+        </pc:sldMkLst>
+        <pc:spChg chg="mod">
+          <ac:chgData name="Smith, Spencer" userId="1695a3fb-7268-4f5e-8a0e-9e4d3170de61" providerId="ADAL" clId="{F7F5C636-30E2-734F-92E9-A24C58332266}" dt="2024-10-04T18:42:50.924" v="8930" actId="26606"/>
+          <ac:spMkLst>
+            <pc:docMk/>
+            <pc:sldMk cId="2899764097" sldId="267"/>
+            <ac:spMk id="2" creationId="{CFD02F86-6734-D25D-C6DC-EEF90CE77C15}"/>
+          </ac:spMkLst>
+        </pc:spChg>
+        <pc:spChg chg="del">
+          <ac:chgData name="Smith, Spencer" userId="1695a3fb-7268-4f5e-8a0e-9e4d3170de61" providerId="ADAL" clId="{F7F5C636-30E2-734F-92E9-A24C58332266}" dt="2024-10-04T18:42:24.309" v="8924" actId="478"/>
+          <ac:spMkLst>
+            <pc:docMk/>
+            <pc:sldMk cId="2899764097" sldId="267"/>
+            <ac:spMk id="3" creationId="{A8E29053-7A91-C1E6-E964-D0307E19286E}"/>
+          </ac:spMkLst>
+        </pc:spChg>
+        <pc:spChg chg="add del mod">
+          <ac:chgData name="Smith, Spencer" userId="1695a3fb-7268-4f5e-8a0e-9e4d3170de61" providerId="ADAL" clId="{F7F5C636-30E2-734F-92E9-A24C58332266}" dt="2024-10-04T18:42:26.032" v="8925" actId="478"/>
+          <ac:spMkLst>
+            <pc:docMk/>
+            <pc:sldMk cId="2899764097" sldId="267"/>
+            <ac:spMk id="7" creationId="{B6A50FF9-9DCD-813A-158F-6A43AAC95F1B}"/>
+          </ac:spMkLst>
+        </pc:spChg>
+        <pc:spChg chg="add">
+          <ac:chgData name="Smith, Spencer" userId="1695a3fb-7268-4f5e-8a0e-9e4d3170de61" providerId="ADAL" clId="{F7F5C636-30E2-734F-92E9-A24C58332266}" dt="2024-10-04T18:42:50.924" v="8930" actId="26606"/>
+          <ac:spMkLst>
+            <pc:docMk/>
+            <pc:sldMk cId="2899764097" sldId="267"/>
+            <ac:spMk id="14" creationId="{99ED5833-B85B-4103-8A3B-CAB0308E6C15}"/>
+          </ac:spMkLst>
+        </pc:spChg>
+        <pc:picChg chg="add mod">
+          <ac:chgData name="Smith, Spencer" userId="1695a3fb-7268-4f5e-8a0e-9e4d3170de61" providerId="ADAL" clId="{F7F5C636-30E2-734F-92E9-A24C58332266}" dt="2024-10-04T18:42:58.650" v="8934" actId="14100"/>
+          <ac:picMkLst>
+            <pc:docMk/>
+            <pc:sldMk cId="2899764097" sldId="267"/>
+            <ac:picMk id="5" creationId="{EE89ED60-4602-5A12-F2CD-9D90D86961F9}"/>
+          </ac:picMkLst>
+        </pc:picChg>
+        <pc:picChg chg="add mod">
+          <ac:chgData name="Smith, Spencer" userId="1695a3fb-7268-4f5e-8a0e-9e4d3170de61" providerId="ADAL" clId="{F7F5C636-30E2-734F-92E9-A24C58332266}" dt="2024-10-04T18:42:56.318" v="8933" actId="14100"/>
+          <ac:picMkLst>
+            <pc:docMk/>
+            <pc:sldMk cId="2899764097" sldId="267"/>
+            <ac:picMk id="9" creationId="{02DFD5E7-8D0B-B4CC-EDC5-2C92AFACF401}"/>
+          </ac:picMkLst>
+        </pc:picChg>
+      </pc:sldChg>
+      <pc:sldChg chg="del">
+        <pc:chgData name="Smith, Spencer" userId="1695a3fb-7268-4f5e-8a0e-9e4d3170de61" providerId="ADAL" clId="{F7F5C636-30E2-734F-92E9-A24C58332266}" dt="2024-10-04T18:41:46.893" v="8921" actId="2696"/>
+        <pc:sldMkLst>
+          <pc:docMk/>
+          <pc:sldMk cId="2166239462" sldId="268"/>
+        </pc:sldMkLst>
+      </pc:sldChg>
       <pc:sldChg chg="modSp mod">
         <pc:chgData name="Smith, Spencer" userId="1695a3fb-7268-4f5e-8a0e-9e4d3170de61" providerId="ADAL" clId="{F7F5C636-30E2-734F-92E9-A24C58332266}" dt="2024-09-13T21:46:35.425" v="3303" actId="20577"/>
         <pc:sldMkLst>
@@ -466,6 +528,21 @@
           </ac:spMkLst>
         </pc:spChg>
       </pc:sldChg>
+      <pc:sldChg chg="modSp add mod">
+        <pc:chgData name="Smith, Spencer" userId="1695a3fb-7268-4f5e-8a0e-9e4d3170de61" providerId="ADAL" clId="{F7F5C636-30E2-734F-92E9-A24C58332266}" dt="2024-10-04T18:41:39.112" v="8920" actId="20577"/>
+        <pc:sldMkLst>
+          <pc:docMk/>
+          <pc:sldMk cId="3701638328" sldId="272"/>
+        </pc:sldMkLst>
+        <pc:spChg chg="mod">
+          <ac:chgData name="Smith, Spencer" userId="1695a3fb-7268-4f5e-8a0e-9e4d3170de61" providerId="ADAL" clId="{F7F5C636-30E2-734F-92E9-A24C58332266}" dt="2024-10-04T18:41:39.112" v="8920" actId="20577"/>
+          <ac:spMkLst>
+            <pc:docMk/>
+            <pc:sldMk cId="3701638328" sldId="272"/>
+            <ac:spMk id="3" creationId="{CE93F8FD-3CFC-CEC8-F77E-3D0B71BAE65A}"/>
+          </ac:spMkLst>
+        </pc:spChg>
+      </pc:sldChg>
     </pc:docChg>
   </pc:docChgLst>
 </pc:chgInfo>
@@ -602,7 +679,7 @@
           <a:p>
             <a:fld id="{052CEAA0-CEA8-4860-9757-7A11AC3F23CB}" type="datetimeFigureOut">
               <a:rPr lang="en-US" smtClean="0"/>
-              <a:t>9/27/24</a:t>
+              <a:t>10/4/24</a:t>
             </a:fld>
             <a:endParaRPr lang="en-US"/>
           </a:p>
@@ -772,7 +849,7 @@
           <a:p>
             <a:fld id="{052CEAA0-CEA8-4860-9757-7A11AC3F23CB}" type="datetimeFigureOut">
               <a:rPr lang="en-US" smtClean="0"/>
-              <a:t>9/27/24</a:t>
+              <a:t>10/4/24</a:t>
             </a:fld>
             <a:endParaRPr lang="en-US"/>
           </a:p>
@@ -952,7 +1029,7 @@
           <a:p>
             <a:fld id="{052CEAA0-CEA8-4860-9757-7A11AC3F23CB}" type="datetimeFigureOut">
               <a:rPr lang="en-US" smtClean="0"/>
-              <a:t>9/27/24</a:t>
+              <a:t>10/4/24</a:t>
             </a:fld>
             <a:endParaRPr lang="en-US"/>
           </a:p>
@@ -1122,7 +1199,7 @@
           <a:p>
             <a:fld id="{052CEAA0-CEA8-4860-9757-7A11AC3F23CB}" type="datetimeFigureOut">
               <a:rPr lang="en-US" smtClean="0"/>
-              <a:t>9/27/24</a:t>
+              <a:t>10/4/24</a:t>
             </a:fld>
             <a:endParaRPr lang="en-US"/>
           </a:p>
@@ -1368,7 +1445,7 @@
           <a:p>
             <a:fld id="{052CEAA0-CEA8-4860-9757-7A11AC3F23CB}" type="datetimeFigureOut">
               <a:rPr lang="en-US" smtClean="0"/>
-              <a:t>9/27/24</a:t>
+              <a:t>10/4/24</a:t>
             </a:fld>
             <a:endParaRPr lang="en-US"/>
           </a:p>
@@ -1600,7 +1677,7 @@
           <a:p>
             <a:fld id="{052CEAA0-CEA8-4860-9757-7A11AC3F23CB}" type="datetimeFigureOut">
               <a:rPr lang="en-US" smtClean="0"/>
-              <a:t>9/27/24</a:t>
+              <a:t>10/4/24</a:t>
             </a:fld>
             <a:endParaRPr lang="en-US"/>
           </a:p>
@@ -1967,7 +2044,7 @@
           <a:p>
             <a:fld id="{052CEAA0-CEA8-4860-9757-7A11AC3F23CB}" type="datetimeFigureOut">
               <a:rPr lang="en-US" smtClean="0"/>
-              <a:t>9/27/24</a:t>
+              <a:t>10/4/24</a:t>
             </a:fld>
             <a:endParaRPr lang="en-US"/>
           </a:p>
@@ -2085,7 +2162,7 @@
           <a:p>
             <a:fld id="{052CEAA0-CEA8-4860-9757-7A11AC3F23CB}" type="datetimeFigureOut">
               <a:rPr lang="en-US" smtClean="0"/>
-              <a:t>9/27/24</a:t>
+              <a:t>10/4/24</a:t>
             </a:fld>
             <a:endParaRPr lang="en-US"/>
           </a:p>
@@ -2180,7 +2257,7 @@
           <a:p>
             <a:fld id="{052CEAA0-CEA8-4860-9757-7A11AC3F23CB}" type="datetimeFigureOut">
               <a:rPr lang="en-US" smtClean="0"/>
-              <a:t>9/27/24</a:t>
+              <a:t>10/4/24</a:t>
             </a:fld>
             <a:endParaRPr lang="en-US"/>
           </a:p>
@@ -2457,7 +2534,7 @@
           <a:p>
             <a:fld id="{052CEAA0-CEA8-4860-9757-7A11AC3F23CB}" type="datetimeFigureOut">
               <a:rPr lang="en-US" smtClean="0"/>
-              <a:t>9/27/24</a:t>
+              <a:t>10/4/24</a:t>
             </a:fld>
             <a:endParaRPr lang="en-US"/>
           </a:p>
@@ -2714,7 +2791,7 @@
           <a:p>
             <a:fld id="{052CEAA0-CEA8-4860-9757-7A11AC3F23CB}" type="datetimeFigureOut">
               <a:rPr lang="en-US" smtClean="0"/>
-              <a:t>9/27/24</a:t>
+              <a:t>10/4/24</a:t>
             </a:fld>
             <a:endParaRPr lang="en-US"/>
           </a:p>
@@ -2927,7 +3004,7 @@
           <a:p>
             <a:fld id="{052CEAA0-CEA8-4860-9757-7A11AC3F23CB}" type="datetimeFigureOut">
               <a:rPr lang="en-US" smtClean="0"/>
-              <a:t>9/27/24</a:t>
+              <a:t>10/4/24</a:t>
             </a:fld>
             <a:endParaRPr lang="en-US"/>
           </a:p>
@@ -4252,10 +4329,7 @@
     <p:bg>
       <p:bgPr>
         <a:solidFill>
-          <a:schemeClr val="bg1">
-            <a:lumMod val="75000"/>
-            <a:lumOff val="25000"/>
-          </a:schemeClr>
+          <a:schemeClr val="bg1"/>
         </a:solidFill>
         <a:effectLst/>
       </p:bgPr>
@@ -4274,6 +4348,66 @@
           <a:chExt cx="0" cy="0"/>
         </a:xfrm>
       </p:grpSpPr>
+      <p:sp useBgFill="1">
+        <p:nvSpPr>
+          <p:cNvPr id="14" name="Rectangle 13">
+            <a:extLst>
+              <a:ext uri="{FF2B5EF4-FFF2-40B4-BE49-F238E27FC236}">
+                <a16:creationId xmlns:a16="http://schemas.microsoft.com/office/drawing/2014/main" id="{99ED5833-B85B-4103-8A3B-CAB0308E6C15}"/>
+              </a:ext>
+              <a:ext uri="{C183D7F6-B498-43B3-948B-1728B52AA6E4}">
+                <adec:decorative xmlns:adec="http://schemas.microsoft.com/office/drawing/2017/decorative" val="1"/>
+              </a:ext>
+            </a:extLst>
+          </p:cNvPr>
+          <p:cNvSpPr>
+            <a:spLocks noGrp="1" noRot="1" noChangeAspect="1" noMove="1" noResize="1" noEditPoints="1" noAdjustHandles="1" noChangeArrowheads="1" noChangeShapeType="1" noTextEdit="1"/>
+          </p:cNvSpPr>
+          <p:nvPr>
+            <p:extLst>
+              <p:ext uri="{386F3935-93C4-4BCD-93E2-E3B085C9AB24}">
+                <p16:designElem xmlns:p16="http://schemas.microsoft.com/office/powerpoint/2015/main" val="1"/>
+              </p:ext>
+            </p:extLst>
+          </p:nvPr>
+        </p:nvSpPr>
+        <p:spPr>
+          <a:xfrm>
+            <a:off x="-1" y="0"/>
+            <a:ext cx="12188952" cy="6858000"/>
+          </a:xfrm>
+          <a:prstGeom prst="rect">
+            <a:avLst/>
+          </a:prstGeom>
+          <a:ln>
+            <a:noFill/>
+          </a:ln>
+        </p:spPr>
+        <p:style>
+          <a:lnRef idx="2">
+            <a:schemeClr val="accent1">
+              <a:shade val="50000"/>
+            </a:schemeClr>
+          </a:lnRef>
+          <a:fillRef idx="1">
+            <a:schemeClr val="accent1"/>
+          </a:fillRef>
+          <a:effectRef idx="0">
+            <a:schemeClr val="accent1"/>
+          </a:effectRef>
+          <a:fontRef idx="minor">
+            <a:schemeClr val="lt1"/>
+          </a:fontRef>
+        </p:style>
+        <p:txBody>
+          <a:bodyPr rtlCol="0" anchor="ctr"/>
+          <a:lstStyle/>
+          <a:p>
+            <a:pPr algn="ctr"/>
+            <a:endParaRPr lang="en-US"/>
+          </a:p>
+        </p:txBody>
+      </p:sp>
       <p:sp>
         <p:nvSpPr>
           <p:cNvPr id="2" name="Title 1">
@@ -4290,46 +4424,98 @@
             <p:ph type="title"/>
           </p:nvPr>
         </p:nvSpPr>
-        <p:spPr/>
-        <p:txBody>
-          <a:bodyPr/>
-          <a:lstStyle/>
-          <a:p>
-            <a:r>
-              <a:rPr lang="en-US" dirty="0"/>
+        <p:spPr>
+          <a:xfrm>
+            <a:off x="1198181" y="560881"/>
+            <a:ext cx="9795638" cy="1114380"/>
+          </a:xfrm>
+        </p:spPr>
+        <p:txBody>
+          <a:bodyPr vert="horz" lIns="91440" tIns="45720" rIns="91440" bIns="45720" rtlCol="0" anchor="b">
+            <a:normAutofit/>
+          </a:bodyPr>
+          <a:lstStyle/>
+          <a:p>
+            <a:pPr algn="ctr"/>
+            <a:r>
+              <a:rPr lang="en-US" sz="5200"/>
               <a:t>P1 – Final Reflection</a:t>
             </a:r>
           </a:p>
         </p:txBody>
       </p:sp>
-      <p:sp>
-        <p:nvSpPr>
-          <p:cNvPr id="3" name="Content Placeholder 2">
+      <p:pic>
+        <p:nvPicPr>
+          <p:cNvPr id="5" name="Picture 4">
             <a:extLst>
               <a:ext uri="{FF2B5EF4-FFF2-40B4-BE49-F238E27FC236}">
-                <a16:creationId xmlns:a16="http://schemas.microsoft.com/office/drawing/2014/main" id="{A8E29053-7A91-C1E6-E964-D0307E19286E}"/>
+                <a16:creationId xmlns:a16="http://schemas.microsoft.com/office/drawing/2014/main" id="{EE89ED60-4602-5A12-F2CD-9D90D86961F9}"/>
               </a:ext>
             </a:extLst>
           </p:cNvPr>
-          <p:cNvSpPr>
-            <a:spLocks noGrp="1"/>
-          </p:cNvSpPr>
-          <p:nvPr>
-            <p:ph idx="1"/>
-          </p:nvPr>
-        </p:nvSpPr>
-        <p:spPr/>
-        <p:txBody>
-          <a:bodyPr/>
-          <a:lstStyle/>
-          <a:p>
-            <a:r>
-              <a:rPr lang="en-US" dirty="0"/>
-              <a:t>Screenshot of final product here</a:t>
-            </a:r>
-          </a:p>
-        </p:txBody>
-      </p:sp>
+          <p:cNvPicPr>
+            <a:picLocks noChangeAspect="1"/>
+          </p:cNvPicPr>
+          <p:nvPr/>
+        </p:nvPicPr>
+        <p:blipFill>
+          <a:blip r:embed="rId2">
+            <a:extLst>
+              <a:ext uri="{28A0092B-C50C-407E-A947-70E740481C1C}">
+                <a14:useLocalDpi xmlns:a14="http://schemas.microsoft.com/office/drawing/2010/main" val="0"/>
+              </a:ext>
+            </a:extLst>
+          </a:blip>
+          <a:stretch>
+            <a:fillRect/>
+          </a:stretch>
+        </p:blipFill>
+        <p:spPr>
+          <a:xfrm>
+            <a:off x="616567" y="2443397"/>
+            <a:ext cx="5719474" cy="3860644"/>
+          </a:xfrm>
+          <a:prstGeom prst="rect">
+            <a:avLst/>
+          </a:prstGeom>
+        </p:spPr>
+      </p:pic>
+      <p:pic>
+        <p:nvPicPr>
+          <p:cNvPr id="9" name="Picture 8" descr="A screenshot of a video game&#10;&#10;Description automatically generated">
+            <a:extLst>
+              <a:ext uri="{FF2B5EF4-FFF2-40B4-BE49-F238E27FC236}">
+                <a16:creationId xmlns:a16="http://schemas.microsoft.com/office/drawing/2014/main" id="{02DFD5E7-8D0B-B4CC-EDC5-2C92AFACF401}"/>
+              </a:ext>
+            </a:extLst>
+          </p:cNvPr>
+          <p:cNvPicPr>
+            <a:picLocks noChangeAspect="1"/>
+          </p:cNvPicPr>
+          <p:nvPr/>
+        </p:nvPicPr>
+        <p:blipFill>
+          <a:blip r:embed="rId3">
+            <a:extLst>
+              <a:ext uri="{28A0092B-C50C-407E-A947-70E740481C1C}">
+                <a14:useLocalDpi xmlns:a14="http://schemas.microsoft.com/office/drawing/2010/main" val="0"/>
+              </a:ext>
+            </a:extLst>
+          </a:blip>
+          <a:stretch>
+            <a:fillRect/>
+          </a:stretch>
+        </p:blipFill>
+        <p:spPr>
+          <a:xfrm>
+            <a:off x="5855960" y="2443397"/>
+            <a:ext cx="5719474" cy="3860644"/>
+          </a:xfrm>
+          <a:prstGeom prst="rect">
+            <a:avLst/>
+          </a:prstGeom>
+        </p:spPr>
+      </p:pic>
     </p:spTree>
     <p:extLst>
       <p:ext uri="{BB962C8B-B14F-4D97-AF65-F5344CB8AC3E}">
@@ -4359,7 +4545,13 @@
     </p:bg>
     <p:spTree>
       <p:nvGrpSpPr>
-        <p:cNvPr id="1" name=""/>
+        <p:cNvPr id="1" name="">
+          <a:extLst>
+            <a:ext uri="{FF2B5EF4-FFF2-40B4-BE49-F238E27FC236}">
+              <a16:creationId xmlns:a16="http://schemas.microsoft.com/office/drawing/2014/main" id="{08FDFECD-910F-FA89-A04F-63A2AB4E726D}"/>
+            </a:ext>
+          </a:extLst>
+        </p:cNvPr>
         <p:cNvGrpSpPr/>
         <p:nvPr/>
       </p:nvGrpSpPr>
@@ -4376,7 +4568,7 @@
           <p:cNvPr id="2" name="Title 1">
             <a:extLst>
               <a:ext uri="{FF2B5EF4-FFF2-40B4-BE49-F238E27FC236}">
-                <a16:creationId xmlns:a16="http://schemas.microsoft.com/office/drawing/2014/main" id="{B22AFD36-34CC-4937-82F6-118F854B65AF}"/>
+                <a16:creationId xmlns:a16="http://schemas.microsoft.com/office/drawing/2014/main" id="{6912FB73-FB92-2672-4A66-34027FD166CF}"/>
               </a:ext>
             </a:extLst>
           </p:cNvPr>
@@ -4404,7 +4596,7 @@
           <p:cNvPr id="3" name="Content Placeholder 2">
             <a:extLst>
               <a:ext uri="{FF2B5EF4-FFF2-40B4-BE49-F238E27FC236}">
-                <a16:creationId xmlns:a16="http://schemas.microsoft.com/office/drawing/2014/main" id="{C56E788E-970E-6F16-B39A-7BB9CE697CDC}"/>
+                <a16:creationId xmlns:a16="http://schemas.microsoft.com/office/drawing/2014/main" id="{CE93F8FD-3CFC-CEC8-F77E-3D0B71BAE65A}"/>
               </a:ext>
             </a:extLst>
           </p:cNvPr>
@@ -4417,7 +4609,9 @@
         </p:nvSpPr>
         <p:spPr/>
         <p:txBody>
-          <a:bodyPr/>
+          <a:bodyPr>
+            <a:normAutofit fontScale="62500" lnSpcReduction="20000"/>
+          </a:bodyPr>
           <a:lstStyle/>
           <a:p>
             <a:r>
@@ -4435,7 +4629,22 @@
             <a:pPr lvl="1"/>
             <a:r>
               <a:rPr lang="en-US" dirty="0"/>
-              <a:t>Use some of these words: variables, code blocks, conditions, control flow, algorithm, planning, files, readability, debugging</a:t>
+              <a:t>Variables: I’m proud of my variable names, mostly. There are a couple things, like my player and enemy, whose sprite/name changed, but I did not go through and change the variable names in the code. I think that if I started from scratch, with a game that doesn’t already call things birds and fish, this wouldn’t be a talking point of mine. </a:t>
+            </a:r>
+          </a:p>
+          <a:p>
+            <a:pPr lvl="1"/>
+            <a:r>
+              <a:rPr lang="en-US" dirty="0"/>
+              <a:t>Debugging: There are no game breaking bugs that the player would notice. The only “errors” I get are warnings about parameters in signal connections that go unused, such as _</a:t>
+            </a:r>
+            <a:r>
+              <a:rPr lang="en-US" dirty="0" err="1"/>
+              <a:t>on_body_entered</a:t>
+            </a:r>
+            <a:r>
+              <a:rPr lang="en-US" dirty="0"/>
+              <a:t>(body). I’m getting something like “parameter body is unused”. This doesn’t cause any gameplay issues; it just gives a message in the editor. The biggest bug I ran into during development would cause multiple player characters to spawn at the same time, but I found a workaround for that issue.</a:t>
             </a:r>
           </a:p>
           <a:p>
@@ -4448,7 +4657,22 @@
             <a:pPr lvl="1"/>
             <a:r>
               <a:rPr lang="en-US" dirty="0"/>
-              <a:t>Use some of these words: reactive, eye-catching, guiding, alert, joyful, unintended, contrast, similarity, flow</a:t>
+              <a:t>Alert: Enemies are red. Red typically means bad. Kill the red bad guys! There’s also noise to indicate that </a:t>
+            </a:r>
+            <a:r>
+              <a:rPr lang="en-US" i="1" dirty="0"/>
+              <a:t>something</a:t>
+            </a:r>
+            <a:r>
+              <a:rPr lang="en-US" dirty="0"/>
+              <a:t> has happened. The enemy dying or player flinging sounds, for example.</a:t>
+            </a:r>
+          </a:p>
+          <a:p>
+            <a:pPr lvl="1"/>
+            <a:r>
+              <a:rPr lang="en-US" dirty="0"/>
+              <a:t>Flow: Beating a level unlocks the next one very clearly. It’s (hopefully) very easy to understand when a level has been beaten.</a:t>
             </a:r>
           </a:p>
           <a:p>
@@ -4456,13 +4680,39 @@
               <a:rPr lang="en-US" dirty="0"/>
               <a:t>Major concepts learned </a:t>
             </a:r>
+          </a:p>
+          <a:p>
+            <a:pPr lvl="1"/>
+            <a:r>
+              <a:rPr lang="en-US" dirty="0"/>
+              <a:t>Export Variables: Export variables make instantiating objects very easy. It also makes it easy to keep system resources under control. If I couldn’t instantiate objects, they’d have to be there the whole time, and that will take up unnecessary resources. It’s what lets me spawn new “birds” after the one is sent into the battlefield.</a:t>
+            </a:r>
+          </a:p>
+          <a:p>
+            <a:pPr lvl="1"/>
+            <a:r>
+              <a:rPr lang="en-US" dirty="0"/>
+              <a:t>Connecting Signals: This allows one part of my game to talk to another part of my game. For example, when an enemy is killed, the score goes up. That’s done with signals. Same with the </a:t>
+            </a:r>
+            <a:r>
+              <a:rPr lang="en-US" dirty="0" err="1"/>
+              <a:t>despawning</a:t>
+            </a:r>
+            <a:r>
+              <a:rPr lang="en-US" dirty="0"/>
+              <a:t> of things. When the player is flung, a timer starts. When that timer ends, a signal is sent to the game controller to delete the player that was just flung.</a:t>
+            </a:r>
+          </a:p>
+          <a:p>
+            <a:pPr lvl="1"/>
+            <a:endParaRPr lang="en-US" dirty="0"/>
           </a:p>
         </p:txBody>
       </p:sp>
     </p:spTree>
     <p:extLst>
       <p:ext uri="{BB962C8B-B14F-4D97-AF65-F5344CB8AC3E}">
-        <p14:creationId xmlns:p14="http://schemas.microsoft.com/office/powerpoint/2010/main" val="2166239462"/>
+        <p14:creationId xmlns:p14="http://schemas.microsoft.com/office/powerpoint/2010/main" val="3701638328"/>
       </p:ext>
     </p:extLst>
   </p:cSld>

--- a/CS315 P1 Production.pptx
+++ b/CS315 P1 Production.pptx
@@ -130,7 +130,7 @@
 <file path=ppt/revisionInfo.xml><?xml version="1.0" encoding="utf-8"?>
 <p1510:revInfo xmlns:a="http://schemas.openxmlformats.org/drawingml/2006/main" xmlns:r="http://schemas.openxmlformats.org/officeDocument/2006/relationships" xmlns:p1510="http://schemas.microsoft.com/office/powerpoint/2015/10/main">
   <p1510:revLst>
-    <p1510:client id="{F7F5C636-30E2-734F-92E9-A24C58332266}" v="15" dt="2024-10-04T18:42:47.168"/>
+    <p1510:client id="{F7F5C636-30E2-734F-92E9-A24C58332266}" v="20" dt="2024-10-05T00:12:09.647"/>
   </p1510:revLst>
 </p1510:revInfo>
 </file>
@@ -140,7 +140,7 @@
   <pc:docChgLst>
     <pc:chgData name="Smith, Spencer" userId="1695a3fb-7268-4f5e-8a0e-9e4d3170de61" providerId="ADAL" clId="{F7F5C636-30E2-734F-92E9-A24C58332266}"/>
     <pc:docChg chg="undo custSel addSld delSld modSld">
-      <pc:chgData name="Smith, Spencer" userId="1695a3fb-7268-4f5e-8a0e-9e4d3170de61" providerId="ADAL" clId="{F7F5C636-30E2-734F-92E9-A24C58332266}" dt="2024-10-04T18:42:58.650" v="8934" actId="14100"/>
+      <pc:chgData name="Smith, Spencer" userId="1695a3fb-7268-4f5e-8a0e-9e4d3170de61" providerId="ADAL" clId="{F7F5C636-30E2-734F-92E9-A24C58332266}" dt="2024-10-05T00:12:23.613" v="8970" actId="1076"/>
       <pc:docMkLst>
         <pc:docMk/>
       </pc:docMkLst>
@@ -422,7 +422,7 @@
         </pc:spChg>
       </pc:sldChg>
       <pc:sldChg chg="addSp delSp modSp mod setBg">
-        <pc:chgData name="Smith, Spencer" userId="1695a3fb-7268-4f5e-8a0e-9e4d3170de61" providerId="ADAL" clId="{F7F5C636-30E2-734F-92E9-A24C58332266}" dt="2024-10-04T18:42:58.650" v="8934" actId="14100"/>
+        <pc:chgData name="Smith, Spencer" userId="1695a3fb-7268-4f5e-8a0e-9e4d3170de61" providerId="ADAL" clId="{F7F5C636-30E2-734F-92E9-A24C58332266}" dt="2024-10-05T00:12:23.613" v="8970" actId="1076"/>
         <pc:sldMkLst>
           <pc:docMk/>
           <pc:sldMk cId="2899764097" sldId="267"/>
@@ -435,12 +435,28 @@
             <ac:spMk id="2" creationId="{CFD02F86-6734-D25D-C6DC-EEF90CE77C15}"/>
           </ac:spMkLst>
         </pc:spChg>
+        <pc:spChg chg="add mod">
+          <ac:chgData name="Smith, Spencer" userId="1695a3fb-7268-4f5e-8a0e-9e4d3170de61" providerId="ADAL" clId="{F7F5C636-30E2-734F-92E9-A24C58332266}" dt="2024-10-05T00:11:58.382" v="8959" actId="1076"/>
+          <ac:spMkLst>
+            <pc:docMk/>
+            <pc:sldMk cId="2899764097" sldId="267"/>
+            <ac:spMk id="3" creationId="{99D66C42-4BDE-ACD8-7B3D-B49611311C06}"/>
+          </ac:spMkLst>
+        </pc:spChg>
         <pc:spChg chg="del">
           <ac:chgData name="Smith, Spencer" userId="1695a3fb-7268-4f5e-8a0e-9e4d3170de61" providerId="ADAL" clId="{F7F5C636-30E2-734F-92E9-A24C58332266}" dt="2024-10-04T18:42:24.309" v="8924" actId="478"/>
           <ac:spMkLst>
             <pc:docMk/>
             <pc:sldMk cId="2899764097" sldId="267"/>
             <ac:spMk id="3" creationId="{A8E29053-7A91-C1E6-E964-D0307E19286E}"/>
+          </ac:spMkLst>
+        </pc:spChg>
+        <pc:spChg chg="add mod">
+          <ac:chgData name="Smith, Spencer" userId="1695a3fb-7268-4f5e-8a0e-9e4d3170de61" providerId="ADAL" clId="{F7F5C636-30E2-734F-92E9-A24C58332266}" dt="2024-10-05T00:12:23.613" v="8970" actId="1076"/>
+          <ac:spMkLst>
+            <pc:docMk/>
+            <pc:sldMk cId="2899764097" sldId="267"/>
+            <ac:spMk id="4" creationId="{20E2E22F-4DAB-337B-8A3C-CF6A4993E547}"/>
           </ac:spMkLst>
         </pc:spChg>
         <pc:spChg chg="add del mod">
@@ -4516,6 +4532,142 @@
           </a:prstGeom>
         </p:spPr>
       </p:pic>
+      <p:sp>
+        <p:nvSpPr>
+          <p:cNvPr id="3" name="TextBox 2">
+            <a:extLst>
+              <a:ext uri="{FF2B5EF4-FFF2-40B4-BE49-F238E27FC236}">
+                <a16:creationId xmlns:a16="http://schemas.microsoft.com/office/drawing/2014/main" id="{99D66C42-4BDE-ACD8-7B3D-B49611311C06}"/>
+              </a:ext>
+            </a:extLst>
+          </p:cNvPr>
+          <p:cNvSpPr txBox="1"/>
+          <p:nvPr/>
+        </p:nvSpPr>
+        <p:spPr>
+          <a:xfrm>
+            <a:off x="2732665" y="1889438"/>
+            <a:ext cx="1487277" cy="369332"/>
+          </a:xfrm>
+          <a:prstGeom prst="rect">
+            <a:avLst/>
+          </a:prstGeom>
+        </p:spPr>
+        <p:style>
+          <a:lnRef idx="2">
+            <a:schemeClr val="dk1"/>
+          </a:lnRef>
+          <a:fillRef idx="1">
+            <a:schemeClr val="lt1"/>
+          </a:fillRef>
+          <a:effectRef idx="0">
+            <a:schemeClr val="dk1"/>
+          </a:effectRef>
+          <a:fontRef idx="minor">
+            <a:schemeClr val="dk1"/>
+          </a:fontRef>
+        </p:style>
+        <p:txBody>
+          <a:bodyPr wrap="square" rtlCol="0">
+            <a:spAutoFit/>
+          </a:bodyPr>
+          <a:lstStyle/>
+          <a:p>
+            <a:r>
+              <a:rPr lang="en-US" dirty="0">
+                <a:ln w="0"/>
+                <a:effectLst>
+                  <a:outerShdw blurRad="38100" dist="19050" dir="2700000" algn="tl" rotWithShape="0">
+                    <a:schemeClr val="dk1">
+                      <a:alpha val="40000"/>
+                    </a:schemeClr>
+                  </a:outerShdw>
+                </a:effectLst>
+                <a:hlinkClick r:id="rId4"/>
+              </a:rPr>
+              <a:t>Link to video!</a:t>
+            </a:r>
+            <a:endParaRPr lang="en-US" dirty="0">
+              <a:ln w="0"/>
+              <a:effectLst>
+                <a:outerShdw blurRad="38100" dist="19050" dir="2700000" algn="tl" rotWithShape="0">
+                  <a:schemeClr val="dk1">
+                    <a:alpha val="40000"/>
+                  </a:schemeClr>
+                </a:outerShdw>
+              </a:effectLst>
+            </a:endParaRPr>
+          </a:p>
+        </p:txBody>
+      </p:sp>
+      <p:sp>
+        <p:nvSpPr>
+          <p:cNvPr id="4" name="TextBox 3">
+            <a:extLst>
+              <a:ext uri="{FF2B5EF4-FFF2-40B4-BE49-F238E27FC236}">
+                <a16:creationId xmlns:a16="http://schemas.microsoft.com/office/drawing/2014/main" id="{20E2E22F-4DAB-337B-8A3C-CF6A4993E547}"/>
+              </a:ext>
+            </a:extLst>
+          </p:cNvPr>
+          <p:cNvSpPr txBox="1"/>
+          <p:nvPr/>
+        </p:nvSpPr>
+        <p:spPr>
+          <a:xfrm>
+            <a:off x="7892863" y="1885398"/>
+            <a:ext cx="1645667" cy="369332"/>
+          </a:xfrm>
+          <a:prstGeom prst="rect">
+            <a:avLst/>
+          </a:prstGeom>
+        </p:spPr>
+        <p:style>
+          <a:lnRef idx="2">
+            <a:schemeClr val="dk1"/>
+          </a:lnRef>
+          <a:fillRef idx="1">
+            <a:schemeClr val="lt1"/>
+          </a:fillRef>
+          <a:effectRef idx="0">
+            <a:schemeClr val="dk1"/>
+          </a:effectRef>
+          <a:fontRef idx="minor">
+            <a:schemeClr val="dk1"/>
+          </a:fontRef>
+        </p:style>
+        <p:txBody>
+          <a:bodyPr wrap="square" rtlCol="0">
+            <a:spAutoFit/>
+          </a:bodyPr>
+          <a:lstStyle/>
+          <a:p>
+            <a:r>
+              <a:rPr lang="en-US" dirty="0">
+                <a:ln w="0"/>
+                <a:effectLst>
+                  <a:outerShdw blurRad="38100" dist="19050" dir="2700000" algn="tl" rotWithShape="0">
+                    <a:schemeClr val="dk1">
+                      <a:alpha val="40000"/>
+                    </a:schemeClr>
+                  </a:outerShdw>
+                </a:effectLst>
+                <a:hlinkClick r:id="rId5"/>
+              </a:rPr>
+              <a:t>Link to GitHub!</a:t>
+            </a:r>
+            <a:endParaRPr lang="en-US" dirty="0">
+              <a:ln w="0"/>
+              <a:effectLst>
+                <a:outerShdw blurRad="38100" dist="19050" dir="2700000" algn="tl" rotWithShape="0">
+                  <a:schemeClr val="dk1">
+                    <a:alpha val="40000"/>
+                  </a:schemeClr>
+                </a:outerShdw>
+              </a:effectLst>
+            </a:endParaRPr>
+          </a:p>
+        </p:txBody>
+      </p:sp>
     </p:spTree>
     <p:extLst>
       <p:ext uri="{BB962C8B-B14F-4D97-AF65-F5344CB8AC3E}">
